--- a/@material/slide_html5.pptx
+++ b/@material/slide_html5.pptx
@@ -6,6 +6,8 @@
   </p:sldMasterIdLst>
   <p:sldIdLst>
     <p:sldId id="256" r:id="rId2"/>
+    <p:sldId id="257" r:id="rId3"/>
+    <p:sldId id="258" r:id="rId4"/>
   </p:sldIdLst>
   <p:sldSz cx="12192000" cy="6858000"/>
   <p:notesSz cx="6858000" cy="9144000"/>
@@ -104,6 +106,11 @@
       </a:defRPr>
     </a:lvl9pPr>
   </p:defaultTextStyle>
+  <p:extLst>
+    <p:ext uri="{EFAFB233-063F-42B5-8137-9DF3F51BA10A}">
+      <p15:sldGuideLst xmlns:p15="http://schemas.microsoft.com/office/powerpoint/2012/main"/>
+    </p:ext>
+  </p:extLst>
 </p:presentation>
 </file>
 
@@ -3858,6 +3865,564 @@
 </p:sld>
 </file>
 
+<file path=ppt/slides/slide2.xml><?xml version="1.0" encoding="utf-8"?>
+<p:sld xmlns:a="http://schemas.openxmlformats.org/drawingml/2006/main" xmlns:r="http://schemas.openxmlformats.org/officeDocument/2006/relationships" xmlns:p="http://schemas.openxmlformats.org/presentationml/2006/main">
+  <p:cSld>
+    <p:spTree>
+      <p:nvGrpSpPr>
+        <p:cNvPr id="1" name=""/>
+        <p:cNvGrpSpPr/>
+        <p:nvPr/>
+      </p:nvGrpSpPr>
+      <p:grpSpPr>
+        <a:xfrm>
+          <a:off x="0" y="0"/>
+          <a:ext cx="0" cy="0"/>
+          <a:chOff x="0" y="0"/>
+          <a:chExt cx="0" cy="0"/>
+        </a:xfrm>
+      </p:grpSpPr>
+      <p:sp>
+        <p:nvSpPr>
+          <p:cNvPr id="2" name="Título 1"/>
+          <p:cNvSpPr>
+            <a:spLocks noGrp="1"/>
+          </p:cNvSpPr>
+          <p:nvPr>
+            <p:ph type="title"/>
+          </p:nvPr>
+        </p:nvSpPr>
+        <p:spPr/>
+        <p:txBody>
+          <a:bodyPr/>
+          <a:lstStyle/>
+          <a:p>
+            <a:r>
+              <a:rPr lang="pt-BR" dirty="0" smtClean="0"/>
+              <a:t>Visão Geral</a:t>
+            </a:r>
+            <a:endParaRPr lang="pt-BR" dirty="0"/>
+          </a:p>
+        </p:txBody>
+      </p:sp>
+      <p:sp>
+        <p:nvSpPr>
+          <p:cNvPr id="3" name="Espaço Reservado para Conteúdo 2"/>
+          <p:cNvSpPr>
+            <a:spLocks noGrp="1"/>
+          </p:cNvSpPr>
+          <p:nvPr>
+            <p:ph idx="1"/>
+          </p:nvPr>
+        </p:nvSpPr>
+        <p:spPr>
+          <a:xfrm>
+            <a:off x="1371600" y="2286000"/>
+            <a:ext cx="4905910" cy="3581400"/>
+          </a:xfrm>
+        </p:spPr>
+        <p:txBody>
+          <a:bodyPr/>
+          <a:lstStyle/>
+          <a:p>
+            <a:r>
+              <a:rPr lang="pt-BR" sz="2300" dirty="0" smtClean="0"/>
+              <a:t>Apresentação</a:t>
+            </a:r>
+          </a:p>
+          <a:p>
+            <a:r>
+              <a:rPr lang="pt-BR" sz="2300" dirty="0" smtClean="0"/>
+              <a:t>API de Áudio</a:t>
+            </a:r>
+          </a:p>
+          <a:p>
+            <a:r>
+              <a:rPr lang="pt-BR" sz="2300" dirty="0" smtClean="0"/>
+              <a:t>Elementos Validadores</a:t>
+            </a:r>
+          </a:p>
+          <a:p>
+            <a:r>
+              <a:rPr lang="pt-BR" sz="2300" dirty="0" smtClean="0"/>
+              <a:t>API Arrastar e Soltar</a:t>
+            </a:r>
+          </a:p>
+          <a:p>
+            <a:r>
+              <a:rPr lang="pt-BR" sz="2300" dirty="0" smtClean="0"/>
+              <a:t>API armazenamento Local</a:t>
+            </a:r>
+          </a:p>
+          <a:p>
+            <a:r>
+              <a:rPr lang="pt-BR" sz="2300" dirty="0" smtClean="0"/>
+              <a:t>Web </a:t>
+            </a:r>
+            <a:r>
+              <a:rPr lang="pt-BR" sz="2300" dirty="0" err="1" smtClean="0"/>
+              <a:t>Fonts</a:t>
+            </a:r>
+            <a:endParaRPr lang="pt-BR" sz="2300" dirty="0" smtClean="0"/>
+          </a:p>
+        </p:txBody>
+      </p:sp>
+      <p:sp>
+        <p:nvSpPr>
+          <p:cNvPr id="4" name="Espaço Reservado para Conteúdo 2"/>
+          <p:cNvSpPr txBox="1">
+            <a:spLocks/>
+          </p:cNvSpPr>
+          <p:nvPr/>
+        </p:nvSpPr>
+        <p:spPr>
+          <a:xfrm>
+            <a:off x="7183349" y="2286000"/>
+            <a:ext cx="4905910" cy="3581400"/>
+          </a:xfrm>
+          <a:prstGeom prst="rect">
+            <a:avLst/>
+          </a:prstGeom>
+        </p:spPr>
+        <p:txBody>
+          <a:bodyPr vert="horz" lIns="91440" tIns="45720" rIns="91440" bIns="45720" rtlCol="0">
+            <a:normAutofit/>
+          </a:bodyPr>
+          <a:lstStyle>
+            <a:lvl1pPr marL="384048" indent="-384048" algn="l" defTabSz="914400" rtl="0" eaLnBrk="1" latinLnBrk="0" hangingPunct="1">
+              <a:lnSpc>
+                <a:spcPct val="94000"/>
+              </a:lnSpc>
+              <a:spcBef>
+                <a:spcPts val="1000"/>
+              </a:spcBef>
+              <a:spcAft>
+                <a:spcPts val="200"/>
+              </a:spcAft>
+              <a:buFont typeface="Franklin Gothic Book" panose="020B0503020102020204" pitchFamily="34" charset="0"/>
+              <a:buChar char="■"/>
+              <a:defRPr sz="2000" kern="1200" baseline="0">
+                <a:solidFill>
+                  <a:schemeClr val="tx2"/>
+                </a:solidFill>
+                <a:latin typeface="+mn-lt"/>
+                <a:ea typeface="+mn-ea"/>
+                <a:cs typeface="+mn-cs"/>
+              </a:defRPr>
+            </a:lvl1pPr>
+            <a:lvl2pPr marL="914400" indent="-384048" algn="l" defTabSz="914400" rtl="0" eaLnBrk="1" latinLnBrk="0" hangingPunct="1">
+              <a:lnSpc>
+                <a:spcPct val="94000"/>
+              </a:lnSpc>
+              <a:spcBef>
+                <a:spcPts val="500"/>
+              </a:spcBef>
+              <a:spcAft>
+                <a:spcPts val="200"/>
+              </a:spcAft>
+              <a:buFont typeface="Franklin Gothic Book" panose="020B0503020102020204" pitchFamily="34" charset="0"/>
+              <a:buChar char="–"/>
+              <a:defRPr sz="2000" i="1" kern="1200" baseline="0">
+                <a:solidFill>
+                  <a:schemeClr val="tx2"/>
+                </a:solidFill>
+                <a:latin typeface="+mn-lt"/>
+                <a:ea typeface="+mn-ea"/>
+                <a:cs typeface="+mn-cs"/>
+              </a:defRPr>
+            </a:lvl2pPr>
+            <a:lvl3pPr marL="1371600" indent="-384048" algn="l" defTabSz="914400" rtl="0" eaLnBrk="1" latinLnBrk="0" hangingPunct="1">
+              <a:lnSpc>
+                <a:spcPct val="94000"/>
+              </a:lnSpc>
+              <a:spcBef>
+                <a:spcPts val="500"/>
+              </a:spcBef>
+              <a:spcAft>
+                <a:spcPts val="200"/>
+              </a:spcAft>
+              <a:buFont typeface="Franklin Gothic Book" panose="020B0503020102020204" pitchFamily="34" charset="0"/>
+              <a:buChar char="■"/>
+              <a:defRPr sz="1800" kern="1200" baseline="0">
+                <a:solidFill>
+                  <a:schemeClr val="tx2"/>
+                </a:solidFill>
+                <a:latin typeface="+mn-lt"/>
+                <a:ea typeface="+mn-ea"/>
+                <a:cs typeface="+mn-cs"/>
+              </a:defRPr>
+            </a:lvl3pPr>
+            <a:lvl4pPr marL="1828800" indent="-384048" algn="l" defTabSz="914400" rtl="0" eaLnBrk="1" latinLnBrk="0" hangingPunct="1">
+              <a:lnSpc>
+                <a:spcPct val="94000"/>
+              </a:lnSpc>
+              <a:spcBef>
+                <a:spcPts val="500"/>
+              </a:spcBef>
+              <a:spcAft>
+                <a:spcPts val="200"/>
+              </a:spcAft>
+              <a:buFont typeface="Franklin Gothic Book" panose="020B0503020102020204" pitchFamily="34" charset="0"/>
+              <a:buChar char="–"/>
+              <a:defRPr sz="1800" i="1" kern="1200" baseline="0">
+                <a:solidFill>
+                  <a:schemeClr val="tx2"/>
+                </a:solidFill>
+                <a:latin typeface="+mn-lt"/>
+                <a:ea typeface="+mn-ea"/>
+                <a:cs typeface="+mn-cs"/>
+              </a:defRPr>
+            </a:lvl4pPr>
+            <a:lvl5pPr marL="2286000" indent="-384048" algn="l" defTabSz="914400" rtl="0" eaLnBrk="1" latinLnBrk="0" hangingPunct="1">
+              <a:lnSpc>
+                <a:spcPct val="94000"/>
+              </a:lnSpc>
+              <a:spcBef>
+                <a:spcPts val="500"/>
+              </a:spcBef>
+              <a:spcAft>
+                <a:spcPts val="200"/>
+              </a:spcAft>
+              <a:buFont typeface="Franklin Gothic Book" panose="020B0503020102020204" pitchFamily="34" charset="0"/>
+              <a:buChar char="■"/>
+              <a:defRPr sz="1600" kern="1200" baseline="0">
+                <a:solidFill>
+                  <a:schemeClr val="tx2"/>
+                </a:solidFill>
+                <a:latin typeface="+mn-lt"/>
+                <a:ea typeface="+mn-ea"/>
+                <a:cs typeface="+mn-cs"/>
+              </a:defRPr>
+            </a:lvl5pPr>
+            <a:lvl6pPr marL="2743200" indent="-384048" algn="l" defTabSz="914400" rtl="0" eaLnBrk="1" latinLnBrk="0" hangingPunct="1">
+              <a:lnSpc>
+                <a:spcPct val="94000"/>
+              </a:lnSpc>
+              <a:spcBef>
+                <a:spcPts val="500"/>
+              </a:spcBef>
+              <a:spcAft>
+                <a:spcPts val="200"/>
+              </a:spcAft>
+              <a:buFont typeface="Franklin Gothic Book" panose="020B0503020102020204" pitchFamily="34" charset="0"/>
+              <a:buChar char="–"/>
+              <a:defRPr sz="1600" i="1" kern="1200" baseline="0">
+                <a:solidFill>
+                  <a:schemeClr val="tx2"/>
+                </a:solidFill>
+                <a:latin typeface="+mn-lt"/>
+                <a:ea typeface="+mn-ea"/>
+                <a:cs typeface="+mn-cs"/>
+              </a:defRPr>
+            </a:lvl6pPr>
+            <a:lvl7pPr marL="3200400" indent="-384048" algn="l" defTabSz="914400" rtl="0" eaLnBrk="1" latinLnBrk="0" hangingPunct="1">
+              <a:lnSpc>
+                <a:spcPct val="94000"/>
+              </a:lnSpc>
+              <a:spcBef>
+                <a:spcPts val="500"/>
+              </a:spcBef>
+              <a:spcAft>
+                <a:spcPts val="200"/>
+              </a:spcAft>
+              <a:buFont typeface="Franklin Gothic Book" panose="020B0503020102020204" pitchFamily="34" charset="0"/>
+              <a:buChar char="■"/>
+              <a:defRPr sz="1400" kern="1200" baseline="0">
+                <a:solidFill>
+                  <a:schemeClr val="tx2"/>
+                </a:solidFill>
+                <a:latin typeface="+mn-lt"/>
+                <a:ea typeface="+mn-ea"/>
+                <a:cs typeface="+mn-cs"/>
+              </a:defRPr>
+            </a:lvl7pPr>
+            <a:lvl8pPr marL="3657600" indent="-384048" algn="l" defTabSz="914400" rtl="0" eaLnBrk="1" latinLnBrk="0" hangingPunct="1">
+              <a:lnSpc>
+                <a:spcPct val="94000"/>
+              </a:lnSpc>
+              <a:spcBef>
+                <a:spcPts val="500"/>
+              </a:spcBef>
+              <a:spcAft>
+                <a:spcPts val="200"/>
+              </a:spcAft>
+              <a:buFont typeface="Franklin Gothic Book" panose="020B0503020102020204" pitchFamily="34" charset="0"/>
+              <a:buChar char="–"/>
+              <a:defRPr sz="1400" i="1" kern="1200" baseline="0">
+                <a:solidFill>
+                  <a:schemeClr val="tx2"/>
+                </a:solidFill>
+                <a:latin typeface="+mn-lt"/>
+                <a:ea typeface="+mn-ea"/>
+                <a:cs typeface="+mn-cs"/>
+              </a:defRPr>
+            </a:lvl8pPr>
+            <a:lvl9pPr marL="4114800" indent="-384048" algn="l" defTabSz="914400" rtl="0" eaLnBrk="1" latinLnBrk="0" hangingPunct="1">
+              <a:lnSpc>
+                <a:spcPct val="94000"/>
+              </a:lnSpc>
+              <a:spcBef>
+                <a:spcPts val="500"/>
+              </a:spcBef>
+              <a:spcAft>
+                <a:spcPts val="200"/>
+              </a:spcAft>
+              <a:buFont typeface="Franklin Gothic Book" panose="020B0503020102020204" pitchFamily="34" charset="0"/>
+              <a:buChar char="■"/>
+              <a:defRPr sz="1400" kern="1200" baseline="0">
+                <a:solidFill>
+                  <a:schemeClr val="tx2"/>
+                </a:solidFill>
+                <a:latin typeface="+mn-lt"/>
+                <a:ea typeface="+mn-ea"/>
+                <a:cs typeface="+mn-cs"/>
+              </a:defRPr>
+            </a:lvl9pPr>
+          </a:lstStyle>
+          <a:p>
+            <a:r>
+              <a:rPr lang="pt-BR" sz="2300" dirty="0" smtClean="0"/>
+              <a:t>Formulários</a:t>
+            </a:r>
+          </a:p>
+          <a:p>
+            <a:r>
+              <a:rPr lang="pt-BR" sz="2300" dirty="0" smtClean="0"/>
+              <a:t>API de Vídeo</a:t>
+            </a:r>
+          </a:p>
+          <a:p>
+            <a:r>
+              <a:rPr lang="pt-BR" sz="2300" dirty="0" smtClean="0"/>
+              <a:t>API </a:t>
+            </a:r>
+            <a:r>
+              <a:rPr lang="pt-BR" sz="2300" dirty="0" err="1" smtClean="0"/>
+              <a:t>Canvas</a:t>
+            </a:r>
+            <a:endParaRPr lang="pt-BR" sz="2300" dirty="0" smtClean="0"/>
+          </a:p>
+          <a:p>
+            <a:r>
+              <a:rPr lang="pt-BR" sz="2300" dirty="0" smtClean="0"/>
+              <a:t>API </a:t>
+            </a:r>
+            <a:r>
+              <a:rPr lang="pt-BR" sz="2300" dirty="0" err="1" smtClean="0"/>
+              <a:t>Geolocalização</a:t>
+            </a:r>
+            <a:endParaRPr lang="pt-BR" sz="2300" dirty="0" smtClean="0"/>
+          </a:p>
+          <a:p>
+            <a:r>
+              <a:rPr lang="pt-BR" sz="2300" dirty="0" smtClean="0"/>
+              <a:t>Media Queries</a:t>
+            </a:r>
+          </a:p>
+          <a:p>
+            <a:r>
+              <a:rPr lang="pt-BR" sz="2300" dirty="0" smtClean="0"/>
+              <a:t>Transições</a:t>
+            </a:r>
+          </a:p>
+        </p:txBody>
+      </p:sp>
+    </p:spTree>
+    <p:extLst>
+      <p:ext uri="{BB962C8B-B14F-4D97-AF65-F5344CB8AC3E}">
+        <p14:creationId xmlns:p14="http://schemas.microsoft.com/office/powerpoint/2010/main" val="1951445730"/>
+      </p:ext>
+    </p:extLst>
+  </p:cSld>
+  <p:clrMapOvr>
+    <a:masterClrMapping/>
+  </p:clrMapOvr>
+</p:sld>
+</file>
+
+<file path=ppt/slides/slide3.xml><?xml version="1.0" encoding="utf-8"?>
+<p:sld xmlns:a="http://schemas.openxmlformats.org/drawingml/2006/main" xmlns:r="http://schemas.openxmlformats.org/officeDocument/2006/relationships" xmlns:p="http://schemas.openxmlformats.org/presentationml/2006/main">
+  <p:cSld>
+    <p:spTree>
+      <p:nvGrpSpPr>
+        <p:cNvPr id="1" name=""/>
+        <p:cNvGrpSpPr/>
+        <p:nvPr/>
+      </p:nvGrpSpPr>
+      <p:grpSpPr>
+        <a:xfrm>
+          <a:off x="0" y="0"/>
+          <a:ext cx="0" cy="0"/>
+          <a:chOff x="0" y="0"/>
+          <a:chExt cx="0" cy="0"/>
+        </a:xfrm>
+      </p:grpSpPr>
+      <p:sp>
+        <p:nvSpPr>
+          <p:cNvPr id="2" name="Título 1"/>
+          <p:cNvSpPr>
+            <a:spLocks noGrp="1"/>
+          </p:cNvSpPr>
+          <p:nvPr>
+            <p:ph type="title"/>
+          </p:nvPr>
+        </p:nvSpPr>
+        <p:spPr>
+          <a:xfrm>
+            <a:off x="1371600" y="757719"/>
+            <a:ext cx="9601200" cy="1485900"/>
+          </a:xfrm>
+        </p:spPr>
+        <p:txBody>
+          <a:bodyPr/>
+          <a:lstStyle/>
+          <a:p>
+            <a:pPr algn="ctr"/>
+            <a:r>
+              <a:rPr lang="pt-BR" dirty="0" smtClean="0"/>
+              <a:t>Rafael Nonato</a:t>
+            </a:r>
+            <a:br>
+              <a:rPr lang="pt-BR" dirty="0" smtClean="0"/>
+            </a:br>
+            <a:r>
+              <a:rPr lang="pt-BR" b="1" dirty="0" err="1" smtClean="0"/>
+              <a:t>Developer</a:t>
+            </a:r>
+            <a:r>
+              <a:rPr lang="pt-BR" b="1" dirty="0" smtClean="0"/>
+              <a:t> web/mobile</a:t>
+            </a:r>
+            <a:endParaRPr lang="pt-BR" b="1" dirty="0"/>
+          </a:p>
+        </p:txBody>
+      </p:sp>
+      <p:sp>
+        <p:nvSpPr>
+          <p:cNvPr id="3" name="Espaço Reservado para Conteúdo 2"/>
+          <p:cNvSpPr>
+            <a:spLocks noGrp="1"/>
+          </p:cNvSpPr>
+          <p:nvPr>
+            <p:ph idx="1"/>
+          </p:nvPr>
+        </p:nvSpPr>
+        <p:spPr>
+          <a:xfrm>
+            <a:off x="1371600" y="2666144"/>
+            <a:ext cx="9601200" cy="1484616"/>
+          </a:xfrm>
+        </p:spPr>
+        <p:txBody>
+          <a:bodyPr/>
+          <a:lstStyle/>
+          <a:p>
+            <a:pPr marL="0" indent="0" algn="ctr">
+              <a:buNone/>
+            </a:pPr>
+            <a:r>
+              <a:rPr lang="pt-BR" dirty="0" smtClean="0"/>
+              <a:t>Web </a:t>
+            </a:r>
+            <a:r>
+              <a:rPr lang="pt-BR" dirty="0" err="1" smtClean="0"/>
+              <a:t>applications</a:t>
+            </a:r>
+            <a:r>
+              <a:rPr lang="pt-BR" dirty="0" smtClean="0"/>
+              <a:t> </a:t>
+            </a:r>
+            <a:r>
+              <a:rPr lang="pt-BR" dirty="0" err="1" smtClean="0"/>
+              <a:t>Development</a:t>
+            </a:r>
+            <a:r>
+              <a:rPr lang="pt-BR" dirty="0" smtClean="0"/>
+              <a:t> </a:t>
+            </a:r>
+            <a:r>
+              <a:rPr lang="pt-BR" dirty="0" err="1" smtClean="0"/>
+              <a:t>with</a:t>
+            </a:r>
+            <a:r>
+              <a:rPr lang="pt-BR" dirty="0" smtClean="0"/>
+              <a:t> PHP </a:t>
+            </a:r>
+            <a:r>
+              <a:rPr lang="pt-BR" dirty="0" err="1" smtClean="0"/>
+              <a:t>and</a:t>
+            </a:r>
+            <a:r>
+              <a:rPr lang="pt-BR" dirty="0" smtClean="0"/>
+              <a:t> C#</a:t>
+            </a:r>
+          </a:p>
+          <a:p>
+            <a:pPr marL="0" indent="0" algn="ctr">
+              <a:buNone/>
+            </a:pPr>
+            <a:r>
+              <a:rPr lang="pt-BR" dirty="0" err="1" smtClean="0"/>
+              <a:t>Programmaning</a:t>
+            </a:r>
+            <a:r>
+              <a:rPr lang="pt-BR" dirty="0" smtClean="0"/>
+              <a:t> in HTML5 </a:t>
+            </a:r>
+            <a:r>
+              <a:rPr lang="pt-BR" dirty="0" err="1" smtClean="0"/>
+              <a:t>with</a:t>
+            </a:r>
+            <a:r>
+              <a:rPr lang="pt-BR" dirty="0" smtClean="0"/>
+              <a:t> </a:t>
+            </a:r>
+            <a:r>
+              <a:rPr lang="pt-BR" dirty="0" err="1" smtClean="0"/>
+              <a:t>JavaScript</a:t>
+            </a:r>
+            <a:r>
+              <a:rPr lang="pt-BR" dirty="0" smtClean="0"/>
+              <a:t> </a:t>
+            </a:r>
+            <a:r>
+              <a:rPr lang="pt-BR" dirty="0" err="1" smtClean="0"/>
+              <a:t>and</a:t>
+            </a:r>
+            <a:r>
+              <a:rPr lang="pt-BR" dirty="0" smtClean="0"/>
+              <a:t> CSS3</a:t>
+            </a:r>
+          </a:p>
+          <a:p>
+            <a:pPr marL="0" indent="0" algn="ctr">
+              <a:buNone/>
+            </a:pPr>
+            <a:r>
+              <a:rPr lang="pt-BR" dirty="0" err="1" smtClean="0"/>
+              <a:t>Teacher</a:t>
+            </a:r>
+            <a:r>
+              <a:rPr lang="pt-BR" dirty="0" smtClean="0"/>
+              <a:t> in Senac-SP | TAT</a:t>
+            </a:r>
+            <a:endParaRPr lang="pt-BR" dirty="0"/>
+          </a:p>
+        </p:txBody>
+      </p:sp>
+    </p:spTree>
+    <p:extLst>
+      <p:ext uri="{BB962C8B-B14F-4D97-AF65-F5344CB8AC3E}">
+        <p14:creationId xmlns:p14="http://schemas.microsoft.com/office/powerpoint/2010/main" val="1632082689"/>
+      </p:ext>
+    </p:extLst>
+  </p:cSld>
+  <p:clrMapOvr>
+    <a:masterClrMapping/>
+  </p:clrMapOvr>
+</p:sld>
+</file>
+
 <file path=ppt/theme/theme1.xml><?xml version="1.0" encoding="utf-8"?>
 <a:theme xmlns:a="http://schemas.openxmlformats.org/drawingml/2006/main" name="TF10001025">
   <a:themeElements>

--- a/@material/slide_html5.pptx
+++ b/@material/slide_html5.pptx
@@ -8,6 +8,11 @@
     <p:sldId id="256" r:id="rId2"/>
     <p:sldId id="257" r:id="rId3"/>
     <p:sldId id="258" r:id="rId4"/>
+    <p:sldId id="262" r:id="rId5"/>
+    <p:sldId id="259" r:id="rId6"/>
+    <p:sldId id="260" r:id="rId7"/>
+    <p:sldId id="261" r:id="rId8"/>
+    <p:sldId id="263" r:id="rId9"/>
   </p:sldIdLst>
   <p:sldSz cx="12192000" cy="6858000"/>
   <p:notesSz cx="6858000" cy="9144000"/>
@@ -3898,10 +3903,18 @@
           <a:lstStyle/>
           <a:p>
             <a:r>
-              <a:rPr lang="pt-BR" dirty="0" smtClean="0"/>
+              <a:rPr lang="pt-BR" dirty="0" smtClean="0">
+                <a:latin typeface="Arial Rounded MT Bold" charset="0"/>
+                <a:ea typeface="Arial Rounded MT Bold" charset="0"/>
+                <a:cs typeface="Arial Rounded MT Bold" charset="0"/>
+              </a:rPr>
               <a:t>Visão Geral</a:t>
             </a:r>
-            <a:endParaRPr lang="pt-BR" dirty="0"/>
+            <a:endParaRPr lang="pt-BR" dirty="0">
+              <a:latin typeface="Arial Rounded MT Bold" charset="0"/>
+              <a:ea typeface="Arial Rounded MT Bold" charset="0"/>
+              <a:cs typeface="Arial Rounded MT Bold" charset="0"/>
+            </a:endParaRPr>
           </a:p>
         </p:txBody>
       </p:sp>
@@ -3926,44 +3939,76 @@
           <a:lstStyle/>
           <a:p>
             <a:r>
-              <a:rPr lang="pt-BR" sz="2300" dirty="0" smtClean="0"/>
+              <a:rPr lang="pt-BR" sz="2300" dirty="0" smtClean="0">
+                <a:latin typeface="Arial Rounded MT Bold" charset="0"/>
+                <a:ea typeface="Arial Rounded MT Bold" charset="0"/>
+                <a:cs typeface="Arial Rounded MT Bold" charset="0"/>
+              </a:rPr>
               <a:t>Apresentação</a:t>
             </a:r>
           </a:p>
           <a:p>
             <a:r>
-              <a:rPr lang="pt-BR" sz="2300" dirty="0" smtClean="0"/>
+              <a:rPr lang="pt-BR" sz="2300" dirty="0" smtClean="0">
+                <a:latin typeface="Arial Rounded MT Bold" charset="0"/>
+                <a:ea typeface="Arial Rounded MT Bold" charset="0"/>
+                <a:cs typeface="Arial Rounded MT Bold" charset="0"/>
+              </a:rPr>
               <a:t>API de Áudio</a:t>
             </a:r>
           </a:p>
           <a:p>
             <a:r>
-              <a:rPr lang="pt-BR" sz="2300" dirty="0" smtClean="0"/>
+              <a:rPr lang="pt-BR" sz="2300" dirty="0" smtClean="0">
+                <a:latin typeface="Arial Rounded MT Bold" charset="0"/>
+                <a:ea typeface="Arial Rounded MT Bold" charset="0"/>
+                <a:cs typeface="Arial Rounded MT Bold" charset="0"/>
+              </a:rPr>
               <a:t>Elementos Validadores</a:t>
             </a:r>
           </a:p>
           <a:p>
             <a:r>
-              <a:rPr lang="pt-BR" sz="2300" dirty="0" smtClean="0"/>
+              <a:rPr lang="pt-BR" sz="2300" dirty="0" smtClean="0">
+                <a:latin typeface="Arial Rounded MT Bold" charset="0"/>
+                <a:ea typeface="Arial Rounded MT Bold" charset="0"/>
+                <a:cs typeface="Arial Rounded MT Bold" charset="0"/>
+              </a:rPr>
               <a:t>API Arrastar e Soltar</a:t>
             </a:r>
           </a:p>
           <a:p>
             <a:r>
-              <a:rPr lang="pt-BR" sz="2300" dirty="0" smtClean="0"/>
+              <a:rPr lang="pt-BR" sz="2300" dirty="0" smtClean="0">
+                <a:latin typeface="Arial Rounded MT Bold" charset="0"/>
+                <a:ea typeface="Arial Rounded MT Bold" charset="0"/>
+                <a:cs typeface="Arial Rounded MT Bold" charset="0"/>
+              </a:rPr>
               <a:t>API armazenamento Local</a:t>
             </a:r>
           </a:p>
           <a:p>
             <a:r>
-              <a:rPr lang="pt-BR" sz="2300" dirty="0" smtClean="0"/>
+              <a:rPr lang="pt-BR" sz="2300" dirty="0" smtClean="0">
+                <a:latin typeface="Arial Rounded MT Bold" charset="0"/>
+                <a:ea typeface="Arial Rounded MT Bold" charset="0"/>
+                <a:cs typeface="Arial Rounded MT Bold" charset="0"/>
+              </a:rPr>
               <a:t>Web </a:t>
             </a:r>
             <a:r>
-              <a:rPr lang="pt-BR" sz="2300" dirty="0" err="1" smtClean="0"/>
+              <a:rPr lang="pt-BR" sz="2300" dirty="0" err="1" smtClean="0">
+                <a:latin typeface="Arial Rounded MT Bold" charset="0"/>
+                <a:ea typeface="Arial Rounded MT Bold" charset="0"/>
+                <a:cs typeface="Arial Rounded MT Bold" charset="0"/>
+              </a:rPr>
               <a:t>Fonts</a:t>
             </a:r>
-            <a:endParaRPr lang="pt-BR" sz="2300" dirty="0" smtClean="0"/>
+            <a:endParaRPr lang="pt-BR" sz="2300" dirty="0" smtClean="0">
+              <a:latin typeface="Arial Rounded MT Bold" charset="0"/>
+              <a:ea typeface="Arial Rounded MT Bold" charset="0"/>
+              <a:cs typeface="Arial Rounded MT Bold" charset="0"/>
+            </a:endParaRPr>
           </a:p>
         </p:txBody>
       </p:sp>
@@ -4181,47 +4226,87 @@
           </a:lstStyle>
           <a:p>
             <a:r>
-              <a:rPr lang="pt-BR" sz="2300" dirty="0" smtClean="0"/>
+              <a:rPr lang="pt-BR" sz="2300" dirty="0" smtClean="0">
+                <a:latin typeface="Arial Rounded MT Bold" charset="0"/>
+                <a:ea typeface="Arial Rounded MT Bold" charset="0"/>
+                <a:cs typeface="Arial Rounded MT Bold" charset="0"/>
+              </a:rPr>
               <a:t>Formulários</a:t>
             </a:r>
           </a:p>
           <a:p>
             <a:r>
-              <a:rPr lang="pt-BR" sz="2300" dirty="0" smtClean="0"/>
+              <a:rPr lang="pt-BR" sz="2300" dirty="0" smtClean="0">
+                <a:latin typeface="Arial Rounded MT Bold" charset="0"/>
+                <a:ea typeface="Arial Rounded MT Bold" charset="0"/>
+                <a:cs typeface="Arial Rounded MT Bold" charset="0"/>
+              </a:rPr>
               <a:t>API de Vídeo</a:t>
             </a:r>
           </a:p>
           <a:p>
             <a:r>
-              <a:rPr lang="pt-BR" sz="2300" dirty="0" smtClean="0"/>
+              <a:rPr lang="pt-BR" sz="2300" dirty="0" smtClean="0">
+                <a:latin typeface="Arial Rounded MT Bold" charset="0"/>
+                <a:ea typeface="Arial Rounded MT Bold" charset="0"/>
+                <a:cs typeface="Arial Rounded MT Bold" charset="0"/>
+              </a:rPr>
               <a:t>API </a:t>
             </a:r>
             <a:r>
-              <a:rPr lang="pt-BR" sz="2300" dirty="0" err="1" smtClean="0"/>
+              <a:rPr lang="pt-BR" sz="2300" dirty="0" err="1" smtClean="0">
+                <a:latin typeface="Arial Rounded MT Bold" charset="0"/>
+                <a:ea typeface="Arial Rounded MT Bold" charset="0"/>
+                <a:cs typeface="Arial Rounded MT Bold" charset="0"/>
+              </a:rPr>
               <a:t>Canvas</a:t>
             </a:r>
-            <a:endParaRPr lang="pt-BR" sz="2300" dirty="0" smtClean="0"/>
-          </a:p>
-          <a:p>
-            <a:r>
-              <a:rPr lang="pt-BR" sz="2300" dirty="0" smtClean="0"/>
+            <a:endParaRPr lang="pt-BR" sz="2300" dirty="0" smtClean="0">
+              <a:latin typeface="Arial Rounded MT Bold" charset="0"/>
+              <a:ea typeface="Arial Rounded MT Bold" charset="0"/>
+              <a:cs typeface="Arial Rounded MT Bold" charset="0"/>
+            </a:endParaRPr>
+          </a:p>
+          <a:p>
+            <a:r>
+              <a:rPr lang="pt-BR" sz="2300" dirty="0" smtClean="0">
+                <a:latin typeface="Arial Rounded MT Bold" charset="0"/>
+                <a:ea typeface="Arial Rounded MT Bold" charset="0"/>
+                <a:cs typeface="Arial Rounded MT Bold" charset="0"/>
+              </a:rPr>
               <a:t>API </a:t>
             </a:r>
             <a:r>
-              <a:rPr lang="pt-BR" sz="2300" dirty="0" err="1" smtClean="0"/>
+              <a:rPr lang="pt-BR" sz="2300" dirty="0" err="1" smtClean="0">
+                <a:latin typeface="Arial Rounded MT Bold" charset="0"/>
+                <a:ea typeface="Arial Rounded MT Bold" charset="0"/>
+                <a:cs typeface="Arial Rounded MT Bold" charset="0"/>
+              </a:rPr>
               <a:t>Geolocalização</a:t>
             </a:r>
-            <a:endParaRPr lang="pt-BR" sz="2300" dirty="0" smtClean="0"/>
-          </a:p>
-          <a:p>
-            <a:r>
-              <a:rPr lang="pt-BR" sz="2300" dirty="0" smtClean="0"/>
+            <a:endParaRPr lang="pt-BR" sz="2300" dirty="0" smtClean="0">
+              <a:latin typeface="Arial Rounded MT Bold" charset="0"/>
+              <a:ea typeface="Arial Rounded MT Bold" charset="0"/>
+              <a:cs typeface="Arial Rounded MT Bold" charset="0"/>
+            </a:endParaRPr>
+          </a:p>
+          <a:p>
+            <a:r>
+              <a:rPr lang="pt-BR" sz="2300" dirty="0" smtClean="0">
+                <a:latin typeface="Arial Rounded MT Bold" charset="0"/>
+                <a:ea typeface="Arial Rounded MT Bold" charset="0"/>
+                <a:cs typeface="Arial Rounded MT Bold" charset="0"/>
+              </a:rPr>
               <a:t>Media Queries</a:t>
             </a:r>
           </a:p>
           <a:p>
             <a:r>
-              <a:rPr lang="pt-BR" sz="2300" dirty="0" smtClean="0"/>
+              <a:rPr lang="pt-BR" sz="2300" dirty="0" smtClean="0">
+                <a:latin typeface="Arial Rounded MT Bold" charset="0"/>
+                <a:ea typeface="Arial Rounded MT Bold" charset="0"/>
+                <a:cs typeface="Arial Rounded MT Bold" charset="0"/>
+              </a:rPr>
               <a:t>Transições</a:t>
             </a:r>
           </a:p>
@@ -4279,21 +4364,41 @@
           <a:p>
             <a:pPr algn="ctr"/>
             <a:r>
-              <a:rPr lang="pt-BR" dirty="0" smtClean="0"/>
+              <a:rPr lang="pt-BR" dirty="0" smtClean="0">
+                <a:latin typeface="Arial Rounded MT Bold" charset="0"/>
+                <a:ea typeface="Arial Rounded MT Bold" charset="0"/>
+                <a:cs typeface="Arial Rounded MT Bold" charset="0"/>
+              </a:rPr>
               <a:t>Rafael Nonato</a:t>
             </a:r>
             <a:br>
-              <a:rPr lang="pt-BR" dirty="0" smtClean="0"/>
+              <a:rPr lang="pt-BR" dirty="0" smtClean="0">
+                <a:latin typeface="Arial Rounded MT Bold" charset="0"/>
+                <a:ea typeface="Arial Rounded MT Bold" charset="0"/>
+                <a:cs typeface="Arial Rounded MT Bold" charset="0"/>
+              </a:rPr>
             </a:br>
             <a:r>
-              <a:rPr lang="pt-BR" b="1" dirty="0" err="1" smtClean="0"/>
+              <a:rPr lang="pt-BR" b="1" dirty="0" err="1" smtClean="0">
+                <a:latin typeface="Arial Rounded MT Bold" charset="0"/>
+                <a:ea typeface="Arial Rounded MT Bold" charset="0"/>
+                <a:cs typeface="Arial Rounded MT Bold" charset="0"/>
+              </a:rPr>
               <a:t>Developer</a:t>
             </a:r>
             <a:r>
-              <a:rPr lang="pt-BR" b="1" dirty="0" smtClean="0"/>
+              <a:rPr lang="pt-BR" b="1" dirty="0" smtClean="0">
+                <a:latin typeface="Arial Rounded MT Bold" charset="0"/>
+                <a:ea typeface="Arial Rounded MT Bold" charset="0"/>
+                <a:cs typeface="Arial Rounded MT Bold" charset="0"/>
+              </a:rPr>
               <a:t> web/mobile</a:t>
             </a:r>
-            <a:endParaRPr lang="pt-BR" b="1" dirty="0"/>
+            <a:endParaRPr lang="pt-BR" b="1" dirty="0">
+              <a:latin typeface="Arial Rounded MT Bold" charset="0"/>
+              <a:ea typeface="Arial Rounded MT Bold" charset="0"/>
+              <a:cs typeface="Arial Rounded MT Bold" charset="0"/>
+            </a:endParaRPr>
           </a:p>
         </p:txBody>
       </p:sp>
@@ -4321,39 +4426,75 @@
               <a:buNone/>
             </a:pPr>
             <a:r>
-              <a:rPr lang="pt-BR" dirty="0" smtClean="0"/>
+              <a:rPr lang="pt-BR" dirty="0" smtClean="0">
+                <a:latin typeface="Arial Rounded MT Bold" charset="0"/>
+                <a:ea typeface="Arial Rounded MT Bold" charset="0"/>
+                <a:cs typeface="Arial Rounded MT Bold" charset="0"/>
+              </a:rPr>
               <a:t>Web </a:t>
             </a:r>
             <a:r>
-              <a:rPr lang="pt-BR" dirty="0" err="1" smtClean="0"/>
+              <a:rPr lang="pt-BR" dirty="0" err="1" smtClean="0">
+                <a:latin typeface="Arial Rounded MT Bold" charset="0"/>
+                <a:ea typeface="Arial Rounded MT Bold" charset="0"/>
+                <a:cs typeface="Arial Rounded MT Bold" charset="0"/>
+              </a:rPr>
               <a:t>applications</a:t>
             </a:r>
             <a:r>
-              <a:rPr lang="pt-BR" dirty="0" smtClean="0"/>
+              <a:rPr lang="pt-BR" dirty="0" smtClean="0">
+                <a:latin typeface="Arial Rounded MT Bold" charset="0"/>
+                <a:ea typeface="Arial Rounded MT Bold" charset="0"/>
+                <a:cs typeface="Arial Rounded MT Bold" charset="0"/>
+              </a:rPr>
               <a:t> </a:t>
             </a:r>
             <a:r>
-              <a:rPr lang="pt-BR" dirty="0" err="1" smtClean="0"/>
+              <a:rPr lang="pt-BR" dirty="0" err="1" smtClean="0">
+                <a:latin typeface="Arial Rounded MT Bold" charset="0"/>
+                <a:ea typeface="Arial Rounded MT Bold" charset="0"/>
+                <a:cs typeface="Arial Rounded MT Bold" charset="0"/>
+              </a:rPr>
               <a:t>Development</a:t>
             </a:r>
             <a:r>
-              <a:rPr lang="pt-BR" dirty="0" smtClean="0"/>
+              <a:rPr lang="pt-BR" dirty="0" smtClean="0">
+                <a:latin typeface="Arial Rounded MT Bold" charset="0"/>
+                <a:ea typeface="Arial Rounded MT Bold" charset="0"/>
+                <a:cs typeface="Arial Rounded MT Bold" charset="0"/>
+              </a:rPr>
               <a:t> </a:t>
             </a:r>
             <a:r>
-              <a:rPr lang="pt-BR" dirty="0" err="1" smtClean="0"/>
+              <a:rPr lang="pt-BR" dirty="0" err="1" smtClean="0">
+                <a:latin typeface="Arial Rounded MT Bold" charset="0"/>
+                <a:ea typeface="Arial Rounded MT Bold" charset="0"/>
+                <a:cs typeface="Arial Rounded MT Bold" charset="0"/>
+              </a:rPr>
               <a:t>with</a:t>
             </a:r>
             <a:r>
-              <a:rPr lang="pt-BR" dirty="0" smtClean="0"/>
+              <a:rPr lang="pt-BR" dirty="0" smtClean="0">
+                <a:latin typeface="Arial Rounded MT Bold" charset="0"/>
+                <a:ea typeface="Arial Rounded MT Bold" charset="0"/>
+                <a:cs typeface="Arial Rounded MT Bold" charset="0"/>
+              </a:rPr>
               <a:t> PHP </a:t>
             </a:r>
             <a:r>
-              <a:rPr lang="pt-BR" dirty="0" err="1" smtClean="0"/>
+              <a:rPr lang="pt-BR" dirty="0" err="1" smtClean="0">
+                <a:latin typeface="Arial Rounded MT Bold" charset="0"/>
+                <a:ea typeface="Arial Rounded MT Bold" charset="0"/>
+                <a:cs typeface="Arial Rounded MT Bold" charset="0"/>
+              </a:rPr>
               <a:t>and</a:t>
             </a:r>
             <a:r>
-              <a:rPr lang="pt-BR" dirty="0" smtClean="0"/>
+              <a:rPr lang="pt-BR" dirty="0" smtClean="0">
+                <a:latin typeface="Arial Rounded MT Bold" charset="0"/>
+                <a:ea typeface="Arial Rounded MT Bold" charset="0"/>
+                <a:cs typeface="Arial Rounded MT Bold" charset="0"/>
+              </a:rPr>
               <a:t> C#</a:t>
             </a:r>
           </a:p>
@@ -4362,35 +4503,67 @@
               <a:buNone/>
             </a:pPr>
             <a:r>
-              <a:rPr lang="pt-BR" dirty="0" err="1" smtClean="0"/>
+              <a:rPr lang="pt-BR" dirty="0" err="1" smtClean="0">
+                <a:latin typeface="Arial Rounded MT Bold" charset="0"/>
+                <a:ea typeface="Arial Rounded MT Bold" charset="0"/>
+                <a:cs typeface="Arial Rounded MT Bold" charset="0"/>
+              </a:rPr>
               <a:t>Programmaning</a:t>
             </a:r>
             <a:r>
-              <a:rPr lang="pt-BR" dirty="0" smtClean="0"/>
+              <a:rPr lang="pt-BR" dirty="0" smtClean="0">
+                <a:latin typeface="Arial Rounded MT Bold" charset="0"/>
+                <a:ea typeface="Arial Rounded MT Bold" charset="0"/>
+                <a:cs typeface="Arial Rounded MT Bold" charset="0"/>
+              </a:rPr>
               <a:t> in HTML5 </a:t>
             </a:r>
             <a:r>
-              <a:rPr lang="pt-BR" dirty="0" err="1" smtClean="0"/>
+              <a:rPr lang="pt-BR" dirty="0" err="1" smtClean="0">
+                <a:latin typeface="Arial Rounded MT Bold" charset="0"/>
+                <a:ea typeface="Arial Rounded MT Bold" charset="0"/>
+                <a:cs typeface="Arial Rounded MT Bold" charset="0"/>
+              </a:rPr>
               <a:t>with</a:t>
             </a:r>
             <a:r>
-              <a:rPr lang="pt-BR" dirty="0" smtClean="0"/>
+              <a:rPr lang="pt-BR" dirty="0" smtClean="0">
+                <a:latin typeface="Arial Rounded MT Bold" charset="0"/>
+                <a:ea typeface="Arial Rounded MT Bold" charset="0"/>
+                <a:cs typeface="Arial Rounded MT Bold" charset="0"/>
+              </a:rPr>
               <a:t> </a:t>
             </a:r>
             <a:r>
-              <a:rPr lang="pt-BR" dirty="0" err="1" smtClean="0"/>
+              <a:rPr lang="pt-BR" dirty="0" err="1" smtClean="0">
+                <a:latin typeface="Arial Rounded MT Bold" charset="0"/>
+                <a:ea typeface="Arial Rounded MT Bold" charset="0"/>
+                <a:cs typeface="Arial Rounded MT Bold" charset="0"/>
+              </a:rPr>
               <a:t>JavaScript</a:t>
             </a:r>
             <a:r>
-              <a:rPr lang="pt-BR" dirty="0" smtClean="0"/>
+              <a:rPr lang="pt-BR" dirty="0" smtClean="0">
+                <a:latin typeface="Arial Rounded MT Bold" charset="0"/>
+                <a:ea typeface="Arial Rounded MT Bold" charset="0"/>
+                <a:cs typeface="Arial Rounded MT Bold" charset="0"/>
+              </a:rPr>
               <a:t> </a:t>
             </a:r>
             <a:r>
-              <a:rPr lang="pt-BR" dirty="0" err="1" smtClean="0"/>
+              <a:rPr lang="pt-BR" dirty="0" err="1" smtClean="0">
+                <a:latin typeface="Arial Rounded MT Bold" charset="0"/>
+                <a:ea typeface="Arial Rounded MT Bold" charset="0"/>
+                <a:cs typeface="Arial Rounded MT Bold" charset="0"/>
+              </a:rPr>
               <a:t>and</a:t>
             </a:r>
             <a:r>
-              <a:rPr lang="pt-BR" dirty="0" smtClean="0"/>
+              <a:rPr lang="pt-BR" dirty="0" smtClean="0">
+                <a:latin typeface="Arial Rounded MT Bold" charset="0"/>
+                <a:ea typeface="Arial Rounded MT Bold" charset="0"/>
+                <a:cs typeface="Arial Rounded MT Bold" charset="0"/>
+              </a:rPr>
               <a:t> CSS3</a:t>
             </a:r>
           </a:p>
@@ -4399,14 +4572,26 @@
               <a:buNone/>
             </a:pPr>
             <a:r>
-              <a:rPr lang="pt-BR" dirty="0" err="1" smtClean="0"/>
+              <a:rPr lang="pt-BR" dirty="0" err="1" smtClean="0">
+                <a:latin typeface="Arial Rounded MT Bold" charset="0"/>
+                <a:ea typeface="Arial Rounded MT Bold" charset="0"/>
+                <a:cs typeface="Arial Rounded MT Bold" charset="0"/>
+              </a:rPr>
               <a:t>Teacher</a:t>
             </a:r>
             <a:r>
-              <a:rPr lang="pt-BR" dirty="0" smtClean="0"/>
+              <a:rPr lang="pt-BR" dirty="0" smtClean="0">
+                <a:latin typeface="Arial Rounded MT Bold" charset="0"/>
+                <a:ea typeface="Arial Rounded MT Bold" charset="0"/>
+                <a:cs typeface="Arial Rounded MT Bold" charset="0"/>
+              </a:rPr>
               <a:t> in Senac-SP | TAT</a:t>
             </a:r>
-            <a:endParaRPr lang="pt-BR" dirty="0"/>
+            <a:endParaRPr lang="pt-BR" dirty="0">
+              <a:latin typeface="Arial Rounded MT Bold" charset="0"/>
+              <a:ea typeface="Arial Rounded MT Bold" charset="0"/>
+              <a:cs typeface="Arial Rounded MT Bold" charset="0"/>
+            </a:endParaRPr>
           </a:p>
         </p:txBody>
       </p:sp>
@@ -4414,6 +4599,3045 @@
     <p:extLst>
       <p:ext uri="{BB962C8B-B14F-4D97-AF65-F5344CB8AC3E}">
         <p14:creationId xmlns:p14="http://schemas.microsoft.com/office/powerpoint/2010/main" val="1632082689"/>
+      </p:ext>
+    </p:extLst>
+  </p:cSld>
+  <p:clrMapOvr>
+    <a:masterClrMapping/>
+  </p:clrMapOvr>
+</p:sld>
+</file>
+
+<file path=ppt/slides/slide4.xml><?xml version="1.0" encoding="utf-8"?>
+<p:sld xmlns:a="http://schemas.openxmlformats.org/drawingml/2006/main" xmlns:r="http://schemas.openxmlformats.org/officeDocument/2006/relationships" xmlns:p="http://schemas.openxmlformats.org/presentationml/2006/main">
+  <p:cSld>
+    <p:spTree>
+      <p:nvGrpSpPr>
+        <p:cNvPr id="1" name=""/>
+        <p:cNvGrpSpPr/>
+        <p:nvPr/>
+      </p:nvGrpSpPr>
+      <p:grpSpPr>
+        <a:xfrm>
+          <a:off x="0" y="0"/>
+          <a:ext cx="0" cy="0"/>
+          <a:chOff x="0" y="0"/>
+          <a:chExt cx="0" cy="0"/>
+        </a:xfrm>
+      </p:grpSpPr>
+      <p:sp>
+        <p:nvSpPr>
+          <p:cNvPr id="2" name="Título 1"/>
+          <p:cNvSpPr>
+            <a:spLocks noGrp="1"/>
+          </p:cNvSpPr>
+          <p:nvPr>
+            <p:ph type="title"/>
+          </p:nvPr>
+        </p:nvSpPr>
+        <p:spPr>
+          <a:xfrm>
+            <a:off x="1371600" y="757719"/>
+            <a:ext cx="9601200" cy="1485900"/>
+          </a:xfrm>
+        </p:spPr>
+        <p:txBody>
+          <a:bodyPr/>
+          <a:lstStyle/>
+          <a:p>
+            <a:pPr algn="ctr"/>
+            <a:r>
+              <a:rPr lang="pt-BR" dirty="0" smtClean="0">
+                <a:latin typeface="Arial Rounded MT Bold" charset="0"/>
+                <a:ea typeface="Arial Rounded MT Bold" charset="0"/>
+                <a:cs typeface="Arial Rounded MT Bold" charset="0"/>
+              </a:rPr>
+              <a:t>Web Standards</a:t>
+            </a:r>
+            <a:endParaRPr lang="pt-BR" b="1" dirty="0">
+              <a:latin typeface="Arial Rounded MT Bold" charset="0"/>
+              <a:ea typeface="Arial Rounded MT Bold" charset="0"/>
+              <a:cs typeface="Arial Rounded MT Bold" charset="0"/>
+            </a:endParaRPr>
+          </a:p>
+        </p:txBody>
+      </p:sp>
+      <p:sp>
+        <p:nvSpPr>
+          <p:cNvPr id="3" name="Espaço Reservado para Conteúdo 2"/>
+          <p:cNvSpPr>
+            <a:spLocks noGrp="1"/>
+          </p:cNvSpPr>
+          <p:nvPr>
+            <p:ph idx="1"/>
+          </p:nvPr>
+        </p:nvSpPr>
+        <p:spPr>
+          <a:xfrm>
+            <a:off x="1371600" y="2594224"/>
+            <a:ext cx="9601200" cy="1022278"/>
+          </a:xfrm>
+        </p:spPr>
+        <p:txBody>
+          <a:bodyPr/>
+          <a:lstStyle/>
+          <a:p>
+            <a:pPr marL="0" indent="0" algn="ctr">
+              <a:buNone/>
+            </a:pPr>
+            <a:r>
+              <a:rPr lang="pt-BR" sz="3200" dirty="0" smtClean="0">
+                <a:latin typeface="Arial Rounded MT Bold" charset="0"/>
+                <a:ea typeface="Arial Rounded MT Bold" charset="0"/>
+                <a:cs typeface="Arial Rounded MT Bold" charset="0"/>
+              </a:rPr>
+              <a:t>O que é?</a:t>
+            </a:r>
+          </a:p>
+          <a:p>
+            <a:pPr marL="0" indent="0" algn="ctr">
+              <a:buNone/>
+            </a:pPr>
+            <a:r>
+              <a:rPr lang="pt-BR" dirty="0" smtClean="0">
+                <a:latin typeface="Arial Rounded MT Bold" charset="0"/>
+                <a:ea typeface="Arial Rounded MT Bold" charset="0"/>
+                <a:cs typeface="Arial Rounded MT Bold" charset="0"/>
+              </a:rPr>
+              <a:t>Um conjunto de recomendações.</a:t>
+            </a:r>
+            <a:endParaRPr lang="pt-BR" dirty="0">
+              <a:latin typeface="Arial Rounded MT Bold" charset="0"/>
+              <a:ea typeface="Arial Rounded MT Bold" charset="0"/>
+              <a:cs typeface="Arial Rounded MT Bold" charset="0"/>
+            </a:endParaRPr>
+          </a:p>
+        </p:txBody>
+      </p:sp>
+      <p:sp>
+        <p:nvSpPr>
+          <p:cNvPr id="4" name="Espaço Reservado para Conteúdo 2"/>
+          <p:cNvSpPr txBox="1">
+            <a:spLocks/>
+          </p:cNvSpPr>
+          <p:nvPr/>
+        </p:nvSpPr>
+        <p:spPr>
+          <a:xfrm>
+            <a:off x="1371600" y="4453847"/>
+            <a:ext cx="9601200" cy="1864759"/>
+          </a:xfrm>
+          <a:prstGeom prst="rect">
+            <a:avLst/>
+          </a:prstGeom>
+        </p:spPr>
+        <p:txBody>
+          <a:bodyPr vert="horz" lIns="91440" tIns="45720" rIns="91440" bIns="45720" rtlCol="0">
+            <a:normAutofit fontScale="47500" lnSpcReduction="20000"/>
+          </a:bodyPr>
+          <a:lstStyle>
+            <a:lvl1pPr marL="384048" indent="-384048" algn="l" defTabSz="914400" rtl="0" eaLnBrk="1" latinLnBrk="0" hangingPunct="1">
+              <a:lnSpc>
+                <a:spcPct val="94000"/>
+              </a:lnSpc>
+              <a:spcBef>
+                <a:spcPts val="1000"/>
+              </a:spcBef>
+              <a:spcAft>
+                <a:spcPts val="200"/>
+              </a:spcAft>
+              <a:buFont typeface="Franklin Gothic Book" panose="020B0503020102020204" pitchFamily="34" charset="0"/>
+              <a:buChar char="■"/>
+              <a:defRPr sz="2000" kern="1200" baseline="0">
+                <a:solidFill>
+                  <a:schemeClr val="tx2"/>
+                </a:solidFill>
+                <a:latin typeface="+mn-lt"/>
+                <a:ea typeface="+mn-ea"/>
+                <a:cs typeface="+mn-cs"/>
+              </a:defRPr>
+            </a:lvl1pPr>
+            <a:lvl2pPr marL="914400" indent="-384048" algn="l" defTabSz="914400" rtl="0" eaLnBrk="1" latinLnBrk="0" hangingPunct="1">
+              <a:lnSpc>
+                <a:spcPct val="94000"/>
+              </a:lnSpc>
+              <a:spcBef>
+                <a:spcPts val="500"/>
+              </a:spcBef>
+              <a:spcAft>
+                <a:spcPts val="200"/>
+              </a:spcAft>
+              <a:buFont typeface="Franklin Gothic Book" panose="020B0503020102020204" pitchFamily="34" charset="0"/>
+              <a:buChar char="–"/>
+              <a:defRPr sz="2000" i="1" kern="1200" baseline="0">
+                <a:solidFill>
+                  <a:schemeClr val="tx2"/>
+                </a:solidFill>
+                <a:latin typeface="+mn-lt"/>
+                <a:ea typeface="+mn-ea"/>
+                <a:cs typeface="+mn-cs"/>
+              </a:defRPr>
+            </a:lvl2pPr>
+            <a:lvl3pPr marL="1371600" indent="-384048" algn="l" defTabSz="914400" rtl="0" eaLnBrk="1" latinLnBrk="0" hangingPunct="1">
+              <a:lnSpc>
+                <a:spcPct val="94000"/>
+              </a:lnSpc>
+              <a:spcBef>
+                <a:spcPts val="500"/>
+              </a:spcBef>
+              <a:spcAft>
+                <a:spcPts val="200"/>
+              </a:spcAft>
+              <a:buFont typeface="Franklin Gothic Book" panose="020B0503020102020204" pitchFamily="34" charset="0"/>
+              <a:buChar char="■"/>
+              <a:defRPr sz="1800" kern="1200" baseline="0">
+                <a:solidFill>
+                  <a:schemeClr val="tx2"/>
+                </a:solidFill>
+                <a:latin typeface="+mn-lt"/>
+                <a:ea typeface="+mn-ea"/>
+                <a:cs typeface="+mn-cs"/>
+              </a:defRPr>
+            </a:lvl3pPr>
+            <a:lvl4pPr marL="1828800" indent="-384048" algn="l" defTabSz="914400" rtl="0" eaLnBrk="1" latinLnBrk="0" hangingPunct="1">
+              <a:lnSpc>
+                <a:spcPct val="94000"/>
+              </a:lnSpc>
+              <a:spcBef>
+                <a:spcPts val="500"/>
+              </a:spcBef>
+              <a:spcAft>
+                <a:spcPts val="200"/>
+              </a:spcAft>
+              <a:buFont typeface="Franklin Gothic Book" panose="020B0503020102020204" pitchFamily="34" charset="0"/>
+              <a:buChar char="–"/>
+              <a:defRPr sz="1800" i="1" kern="1200" baseline="0">
+                <a:solidFill>
+                  <a:schemeClr val="tx2"/>
+                </a:solidFill>
+                <a:latin typeface="+mn-lt"/>
+                <a:ea typeface="+mn-ea"/>
+                <a:cs typeface="+mn-cs"/>
+              </a:defRPr>
+            </a:lvl4pPr>
+            <a:lvl5pPr marL="2286000" indent="-384048" algn="l" defTabSz="914400" rtl="0" eaLnBrk="1" latinLnBrk="0" hangingPunct="1">
+              <a:lnSpc>
+                <a:spcPct val="94000"/>
+              </a:lnSpc>
+              <a:spcBef>
+                <a:spcPts val="500"/>
+              </a:spcBef>
+              <a:spcAft>
+                <a:spcPts val="200"/>
+              </a:spcAft>
+              <a:buFont typeface="Franklin Gothic Book" panose="020B0503020102020204" pitchFamily="34" charset="0"/>
+              <a:buChar char="■"/>
+              <a:defRPr sz="1600" kern="1200" baseline="0">
+                <a:solidFill>
+                  <a:schemeClr val="tx2"/>
+                </a:solidFill>
+                <a:latin typeface="+mn-lt"/>
+                <a:ea typeface="+mn-ea"/>
+                <a:cs typeface="+mn-cs"/>
+              </a:defRPr>
+            </a:lvl5pPr>
+            <a:lvl6pPr marL="2743200" indent="-384048" algn="l" defTabSz="914400" rtl="0" eaLnBrk="1" latinLnBrk="0" hangingPunct="1">
+              <a:lnSpc>
+                <a:spcPct val="94000"/>
+              </a:lnSpc>
+              <a:spcBef>
+                <a:spcPts val="500"/>
+              </a:spcBef>
+              <a:spcAft>
+                <a:spcPts val="200"/>
+              </a:spcAft>
+              <a:buFont typeface="Franklin Gothic Book" panose="020B0503020102020204" pitchFamily="34" charset="0"/>
+              <a:buChar char="–"/>
+              <a:defRPr sz="1600" i="1" kern="1200" baseline="0">
+                <a:solidFill>
+                  <a:schemeClr val="tx2"/>
+                </a:solidFill>
+                <a:latin typeface="+mn-lt"/>
+                <a:ea typeface="+mn-ea"/>
+                <a:cs typeface="+mn-cs"/>
+              </a:defRPr>
+            </a:lvl6pPr>
+            <a:lvl7pPr marL="3200400" indent="-384048" algn="l" defTabSz="914400" rtl="0" eaLnBrk="1" latinLnBrk="0" hangingPunct="1">
+              <a:lnSpc>
+                <a:spcPct val="94000"/>
+              </a:lnSpc>
+              <a:spcBef>
+                <a:spcPts val="500"/>
+              </a:spcBef>
+              <a:spcAft>
+                <a:spcPts val="200"/>
+              </a:spcAft>
+              <a:buFont typeface="Franklin Gothic Book" panose="020B0503020102020204" pitchFamily="34" charset="0"/>
+              <a:buChar char="■"/>
+              <a:defRPr sz="1400" kern="1200" baseline="0">
+                <a:solidFill>
+                  <a:schemeClr val="tx2"/>
+                </a:solidFill>
+                <a:latin typeface="+mn-lt"/>
+                <a:ea typeface="+mn-ea"/>
+                <a:cs typeface="+mn-cs"/>
+              </a:defRPr>
+            </a:lvl7pPr>
+            <a:lvl8pPr marL="3657600" indent="-384048" algn="l" defTabSz="914400" rtl="0" eaLnBrk="1" latinLnBrk="0" hangingPunct="1">
+              <a:lnSpc>
+                <a:spcPct val="94000"/>
+              </a:lnSpc>
+              <a:spcBef>
+                <a:spcPts val="500"/>
+              </a:spcBef>
+              <a:spcAft>
+                <a:spcPts val="200"/>
+              </a:spcAft>
+              <a:buFont typeface="Franklin Gothic Book" panose="020B0503020102020204" pitchFamily="34" charset="0"/>
+              <a:buChar char="–"/>
+              <a:defRPr sz="1400" i="1" kern="1200" baseline="0">
+                <a:solidFill>
+                  <a:schemeClr val="tx2"/>
+                </a:solidFill>
+                <a:latin typeface="+mn-lt"/>
+                <a:ea typeface="+mn-ea"/>
+                <a:cs typeface="+mn-cs"/>
+              </a:defRPr>
+            </a:lvl8pPr>
+            <a:lvl9pPr marL="4114800" indent="-384048" algn="l" defTabSz="914400" rtl="0" eaLnBrk="1" latinLnBrk="0" hangingPunct="1">
+              <a:lnSpc>
+                <a:spcPct val="94000"/>
+              </a:lnSpc>
+              <a:spcBef>
+                <a:spcPts val="500"/>
+              </a:spcBef>
+              <a:spcAft>
+                <a:spcPts val="200"/>
+              </a:spcAft>
+              <a:buFont typeface="Franklin Gothic Book" panose="020B0503020102020204" pitchFamily="34" charset="0"/>
+              <a:buChar char="■"/>
+              <a:defRPr sz="1400" kern="1200" baseline="0">
+                <a:solidFill>
+                  <a:schemeClr val="tx2"/>
+                </a:solidFill>
+                <a:latin typeface="+mn-lt"/>
+                <a:ea typeface="+mn-ea"/>
+                <a:cs typeface="+mn-cs"/>
+              </a:defRPr>
+            </a:lvl9pPr>
+          </a:lstStyle>
+          <a:p>
+            <a:pPr marL="0" indent="0" algn="ctr">
+              <a:buFont typeface="Franklin Gothic Book" panose="020B0503020102020204" pitchFamily="34" charset="0"/>
+              <a:buNone/>
+            </a:pPr>
+            <a:r>
+              <a:rPr lang="pt-BR" sz="6300" dirty="0" smtClean="0">
+                <a:latin typeface="Arial Rounded MT Bold" charset="0"/>
+                <a:ea typeface="Arial Rounded MT Bold" charset="0"/>
+                <a:cs typeface="Arial Rounded MT Bold" charset="0"/>
+              </a:rPr>
+              <a:t>O que seria uma recomendação W3C?</a:t>
+            </a:r>
+          </a:p>
+          <a:p>
+            <a:pPr marL="0" indent="0" algn="ctr">
+              <a:buNone/>
+            </a:pPr>
+            <a:r>
+              <a:rPr lang="pt-BR" sz="4200" dirty="0">
+                <a:latin typeface="Arial Rounded MT Bold" charset="0"/>
+                <a:ea typeface="Arial Rounded MT Bold" charset="0"/>
+                <a:cs typeface="Arial Rounded MT Bold" charset="0"/>
+              </a:rPr>
+              <a:t>Uma Recomendação do W3C é uma especificação ou um conjunto de diretrizes que depois de ter passado por exaustiva discussão e ter-se estabelecido um consenso, recebeu o endosso dos Membros e do Diretor do W3C. O W3C indica vivamente o amplo emprego de suas Recomendações</a:t>
+            </a:r>
+            <a:r>
+              <a:rPr lang="pt-BR" sz="4200" dirty="0" smtClean="0">
+                <a:latin typeface="Arial Rounded MT Bold" charset="0"/>
+                <a:ea typeface="Arial Rounded MT Bold" charset="0"/>
+                <a:cs typeface="Arial Rounded MT Bold" charset="0"/>
+              </a:rPr>
+              <a:t>.</a:t>
+            </a:r>
+          </a:p>
+          <a:p>
+            <a:pPr marL="0" indent="0" algn="ctr">
+              <a:buNone/>
+            </a:pPr>
+            <a:r>
+              <a:rPr lang="pt-BR" sz="2500" dirty="0" smtClean="0">
+                <a:latin typeface="Arial Rounded MT Bold" charset="0"/>
+                <a:ea typeface="Arial Rounded MT Bold" charset="0"/>
+                <a:cs typeface="Arial Rounded MT Bold" charset="0"/>
+              </a:rPr>
+              <a:t>Blog: </a:t>
+            </a:r>
+            <a:r>
+              <a:rPr lang="pt-BR" sz="2500" dirty="0" err="1" smtClean="0">
+                <a:latin typeface="Arial Rounded MT Bold" charset="0"/>
+                <a:ea typeface="Arial Rounded MT Bold" charset="0"/>
+                <a:cs typeface="Arial Rounded MT Bold" charset="0"/>
+              </a:rPr>
+              <a:t>moujor.com</a:t>
+            </a:r>
+            <a:endParaRPr lang="pt-BR" sz="2500" dirty="0">
+              <a:latin typeface="Arial Rounded MT Bold" charset="0"/>
+              <a:ea typeface="Arial Rounded MT Bold" charset="0"/>
+              <a:cs typeface="Arial Rounded MT Bold" charset="0"/>
+            </a:endParaRPr>
+          </a:p>
+        </p:txBody>
+      </p:sp>
+    </p:spTree>
+    <p:extLst>
+      <p:ext uri="{BB962C8B-B14F-4D97-AF65-F5344CB8AC3E}">
+        <p14:creationId xmlns:p14="http://schemas.microsoft.com/office/powerpoint/2010/main" val="1709666823"/>
+      </p:ext>
+    </p:extLst>
+  </p:cSld>
+  <p:clrMapOvr>
+    <a:masterClrMapping/>
+  </p:clrMapOvr>
+</p:sld>
+</file>
+
+<file path=ppt/slides/slide5.xml><?xml version="1.0" encoding="utf-8"?>
+<p:sld xmlns:a="http://schemas.openxmlformats.org/drawingml/2006/main" xmlns:r="http://schemas.openxmlformats.org/officeDocument/2006/relationships" xmlns:p="http://schemas.openxmlformats.org/presentationml/2006/main">
+  <p:cSld>
+    <p:spTree>
+      <p:nvGrpSpPr>
+        <p:cNvPr id="1" name=""/>
+        <p:cNvGrpSpPr/>
+        <p:nvPr/>
+      </p:nvGrpSpPr>
+      <p:grpSpPr>
+        <a:xfrm>
+          <a:off x="0" y="0"/>
+          <a:ext cx="0" cy="0"/>
+          <a:chOff x="0" y="0"/>
+          <a:chExt cx="0" cy="0"/>
+        </a:xfrm>
+      </p:grpSpPr>
+      <p:sp>
+        <p:nvSpPr>
+          <p:cNvPr id="2" name="Título 1"/>
+          <p:cNvSpPr>
+            <a:spLocks noGrp="1"/>
+          </p:cNvSpPr>
+          <p:nvPr>
+            <p:ph type="title"/>
+          </p:nvPr>
+        </p:nvSpPr>
+        <p:spPr/>
+        <p:txBody>
+          <a:bodyPr/>
+          <a:lstStyle/>
+          <a:p>
+            <a:r>
+              <a:rPr lang="pt-BR" dirty="0" smtClean="0">
+                <a:latin typeface="Arial Rounded MT Bold" charset="0"/>
+                <a:ea typeface="Arial Rounded MT Bold" charset="0"/>
+                <a:cs typeface="Arial Rounded MT Bold" charset="0"/>
+              </a:rPr>
+              <a:t>HTML 5 | O que tem de novo?</a:t>
+            </a:r>
+            <a:endParaRPr lang="pt-BR" dirty="0">
+              <a:latin typeface="Arial Rounded MT Bold" charset="0"/>
+              <a:ea typeface="Arial Rounded MT Bold" charset="0"/>
+              <a:cs typeface="Arial Rounded MT Bold" charset="0"/>
+            </a:endParaRPr>
+          </a:p>
+        </p:txBody>
+      </p:sp>
+      <p:sp>
+        <p:nvSpPr>
+          <p:cNvPr id="3" name="Espaço Reservado para Conteúdo 2"/>
+          <p:cNvSpPr>
+            <a:spLocks noGrp="1"/>
+          </p:cNvSpPr>
+          <p:nvPr>
+            <p:ph idx="1"/>
+          </p:nvPr>
+        </p:nvSpPr>
+        <p:spPr>
+          <a:xfrm>
+            <a:off x="1371600" y="2171700"/>
+            <a:ext cx="9601200" cy="703780"/>
+          </a:xfrm>
+        </p:spPr>
+        <p:txBody>
+          <a:bodyPr>
+            <a:normAutofit/>
+          </a:bodyPr>
+          <a:lstStyle/>
+          <a:p>
+            <a:pPr marL="0" indent="0" algn="ctr">
+              <a:buNone/>
+            </a:pPr>
+            <a:r>
+              <a:rPr lang="pt-BR" sz="3500" dirty="0" smtClean="0">
+                <a:latin typeface="Arial Rounded MT Bold" charset="0"/>
+                <a:ea typeface="Arial Rounded MT Bold" charset="0"/>
+                <a:cs typeface="Arial Rounded MT Bold" charset="0"/>
+              </a:rPr>
+              <a:t>Elementos</a:t>
+            </a:r>
+            <a:endParaRPr lang="pt-BR" sz="3500" dirty="0">
+              <a:latin typeface="Arial Rounded MT Bold" charset="0"/>
+              <a:ea typeface="Arial Rounded MT Bold" charset="0"/>
+              <a:cs typeface="Arial Rounded MT Bold" charset="0"/>
+            </a:endParaRPr>
+          </a:p>
+        </p:txBody>
+      </p:sp>
+      <p:sp>
+        <p:nvSpPr>
+          <p:cNvPr id="4" name="Espaço Reservado para Conteúdo 2"/>
+          <p:cNvSpPr txBox="1">
+            <a:spLocks/>
+          </p:cNvSpPr>
+          <p:nvPr/>
+        </p:nvSpPr>
+        <p:spPr>
+          <a:xfrm>
+            <a:off x="1371600" y="2921712"/>
+            <a:ext cx="9601200" cy="559942"/>
+          </a:xfrm>
+          <a:prstGeom prst="rect">
+            <a:avLst/>
+          </a:prstGeom>
+        </p:spPr>
+        <p:txBody>
+          <a:bodyPr vert="horz" lIns="91440" tIns="45720" rIns="91440" bIns="45720" rtlCol="0">
+            <a:normAutofit fontScale="77500" lnSpcReduction="20000"/>
+          </a:bodyPr>
+          <a:lstStyle>
+            <a:lvl1pPr marL="384048" indent="-384048" algn="l" defTabSz="914400" rtl="0" eaLnBrk="1" latinLnBrk="0" hangingPunct="1">
+              <a:lnSpc>
+                <a:spcPct val="94000"/>
+              </a:lnSpc>
+              <a:spcBef>
+                <a:spcPts val="1000"/>
+              </a:spcBef>
+              <a:spcAft>
+                <a:spcPts val="200"/>
+              </a:spcAft>
+              <a:buFont typeface="Franklin Gothic Book" panose="020B0503020102020204" pitchFamily="34" charset="0"/>
+              <a:buChar char="■"/>
+              <a:defRPr sz="2000" kern="1200" baseline="0">
+                <a:solidFill>
+                  <a:schemeClr val="tx2"/>
+                </a:solidFill>
+                <a:latin typeface="+mn-lt"/>
+                <a:ea typeface="+mn-ea"/>
+                <a:cs typeface="+mn-cs"/>
+              </a:defRPr>
+            </a:lvl1pPr>
+            <a:lvl2pPr marL="914400" indent="-384048" algn="l" defTabSz="914400" rtl="0" eaLnBrk="1" latinLnBrk="0" hangingPunct="1">
+              <a:lnSpc>
+                <a:spcPct val="94000"/>
+              </a:lnSpc>
+              <a:spcBef>
+                <a:spcPts val="500"/>
+              </a:spcBef>
+              <a:spcAft>
+                <a:spcPts val="200"/>
+              </a:spcAft>
+              <a:buFont typeface="Franklin Gothic Book" panose="020B0503020102020204" pitchFamily="34" charset="0"/>
+              <a:buChar char="–"/>
+              <a:defRPr sz="2000" i="1" kern="1200" baseline="0">
+                <a:solidFill>
+                  <a:schemeClr val="tx2"/>
+                </a:solidFill>
+                <a:latin typeface="+mn-lt"/>
+                <a:ea typeface="+mn-ea"/>
+                <a:cs typeface="+mn-cs"/>
+              </a:defRPr>
+            </a:lvl2pPr>
+            <a:lvl3pPr marL="1371600" indent="-384048" algn="l" defTabSz="914400" rtl="0" eaLnBrk="1" latinLnBrk="0" hangingPunct="1">
+              <a:lnSpc>
+                <a:spcPct val="94000"/>
+              </a:lnSpc>
+              <a:spcBef>
+                <a:spcPts val="500"/>
+              </a:spcBef>
+              <a:spcAft>
+                <a:spcPts val="200"/>
+              </a:spcAft>
+              <a:buFont typeface="Franklin Gothic Book" panose="020B0503020102020204" pitchFamily="34" charset="0"/>
+              <a:buChar char="■"/>
+              <a:defRPr sz="1800" kern="1200" baseline="0">
+                <a:solidFill>
+                  <a:schemeClr val="tx2"/>
+                </a:solidFill>
+                <a:latin typeface="+mn-lt"/>
+                <a:ea typeface="+mn-ea"/>
+                <a:cs typeface="+mn-cs"/>
+              </a:defRPr>
+            </a:lvl3pPr>
+            <a:lvl4pPr marL="1828800" indent="-384048" algn="l" defTabSz="914400" rtl="0" eaLnBrk="1" latinLnBrk="0" hangingPunct="1">
+              <a:lnSpc>
+                <a:spcPct val="94000"/>
+              </a:lnSpc>
+              <a:spcBef>
+                <a:spcPts val="500"/>
+              </a:spcBef>
+              <a:spcAft>
+                <a:spcPts val="200"/>
+              </a:spcAft>
+              <a:buFont typeface="Franklin Gothic Book" panose="020B0503020102020204" pitchFamily="34" charset="0"/>
+              <a:buChar char="–"/>
+              <a:defRPr sz="1800" i="1" kern="1200" baseline="0">
+                <a:solidFill>
+                  <a:schemeClr val="tx2"/>
+                </a:solidFill>
+                <a:latin typeface="+mn-lt"/>
+                <a:ea typeface="+mn-ea"/>
+                <a:cs typeface="+mn-cs"/>
+              </a:defRPr>
+            </a:lvl4pPr>
+            <a:lvl5pPr marL="2286000" indent="-384048" algn="l" defTabSz="914400" rtl="0" eaLnBrk="1" latinLnBrk="0" hangingPunct="1">
+              <a:lnSpc>
+                <a:spcPct val="94000"/>
+              </a:lnSpc>
+              <a:spcBef>
+                <a:spcPts val="500"/>
+              </a:spcBef>
+              <a:spcAft>
+                <a:spcPts val="200"/>
+              </a:spcAft>
+              <a:buFont typeface="Franklin Gothic Book" panose="020B0503020102020204" pitchFamily="34" charset="0"/>
+              <a:buChar char="■"/>
+              <a:defRPr sz="1600" kern="1200" baseline="0">
+                <a:solidFill>
+                  <a:schemeClr val="tx2"/>
+                </a:solidFill>
+                <a:latin typeface="+mn-lt"/>
+                <a:ea typeface="+mn-ea"/>
+                <a:cs typeface="+mn-cs"/>
+              </a:defRPr>
+            </a:lvl5pPr>
+            <a:lvl6pPr marL="2743200" indent="-384048" algn="l" defTabSz="914400" rtl="0" eaLnBrk="1" latinLnBrk="0" hangingPunct="1">
+              <a:lnSpc>
+                <a:spcPct val="94000"/>
+              </a:lnSpc>
+              <a:spcBef>
+                <a:spcPts val="500"/>
+              </a:spcBef>
+              <a:spcAft>
+                <a:spcPts val="200"/>
+              </a:spcAft>
+              <a:buFont typeface="Franklin Gothic Book" panose="020B0503020102020204" pitchFamily="34" charset="0"/>
+              <a:buChar char="–"/>
+              <a:defRPr sz="1600" i="1" kern="1200" baseline="0">
+                <a:solidFill>
+                  <a:schemeClr val="tx2"/>
+                </a:solidFill>
+                <a:latin typeface="+mn-lt"/>
+                <a:ea typeface="+mn-ea"/>
+                <a:cs typeface="+mn-cs"/>
+              </a:defRPr>
+            </a:lvl6pPr>
+            <a:lvl7pPr marL="3200400" indent="-384048" algn="l" defTabSz="914400" rtl="0" eaLnBrk="1" latinLnBrk="0" hangingPunct="1">
+              <a:lnSpc>
+                <a:spcPct val="94000"/>
+              </a:lnSpc>
+              <a:spcBef>
+                <a:spcPts val="500"/>
+              </a:spcBef>
+              <a:spcAft>
+                <a:spcPts val="200"/>
+              </a:spcAft>
+              <a:buFont typeface="Franklin Gothic Book" panose="020B0503020102020204" pitchFamily="34" charset="0"/>
+              <a:buChar char="■"/>
+              <a:defRPr sz="1400" kern="1200" baseline="0">
+                <a:solidFill>
+                  <a:schemeClr val="tx2"/>
+                </a:solidFill>
+                <a:latin typeface="+mn-lt"/>
+                <a:ea typeface="+mn-ea"/>
+                <a:cs typeface="+mn-cs"/>
+              </a:defRPr>
+            </a:lvl7pPr>
+            <a:lvl8pPr marL="3657600" indent="-384048" algn="l" defTabSz="914400" rtl="0" eaLnBrk="1" latinLnBrk="0" hangingPunct="1">
+              <a:lnSpc>
+                <a:spcPct val="94000"/>
+              </a:lnSpc>
+              <a:spcBef>
+                <a:spcPts val="500"/>
+              </a:spcBef>
+              <a:spcAft>
+                <a:spcPts val="200"/>
+              </a:spcAft>
+              <a:buFont typeface="Franklin Gothic Book" panose="020B0503020102020204" pitchFamily="34" charset="0"/>
+              <a:buChar char="–"/>
+              <a:defRPr sz="1400" i="1" kern="1200" baseline="0">
+                <a:solidFill>
+                  <a:schemeClr val="tx2"/>
+                </a:solidFill>
+                <a:latin typeface="+mn-lt"/>
+                <a:ea typeface="+mn-ea"/>
+                <a:cs typeface="+mn-cs"/>
+              </a:defRPr>
+            </a:lvl8pPr>
+            <a:lvl9pPr marL="4114800" indent="-384048" algn="l" defTabSz="914400" rtl="0" eaLnBrk="1" latinLnBrk="0" hangingPunct="1">
+              <a:lnSpc>
+                <a:spcPct val="94000"/>
+              </a:lnSpc>
+              <a:spcBef>
+                <a:spcPts val="500"/>
+              </a:spcBef>
+              <a:spcAft>
+                <a:spcPts val="200"/>
+              </a:spcAft>
+              <a:buFont typeface="Franklin Gothic Book" panose="020B0503020102020204" pitchFamily="34" charset="0"/>
+              <a:buChar char="■"/>
+              <a:defRPr sz="1400" kern="1200" baseline="0">
+                <a:solidFill>
+                  <a:schemeClr val="tx2"/>
+                </a:solidFill>
+                <a:latin typeface="+mn-lt"/>
+                <a:ea typeface="+mn-ea"/>
+                <a:cs typeface="+mn-cs"/>
+              </a:defRPr>
+            </a:lvl9pPr>
+          </a:lstStyle>
+          <a:p>
+            <a:pPr marL="0" indent="0" algn="ctr">
+              <a:buFont typeface="Franklin Gothic Book" panose="020B0503020102020204" pitchFamily="34" charset="0"/>
+              <a:buNone/>
+            </a:pPr>
+            <a:r>
+              <a:rPr lang="pt-BR" sz="3500" dirty="0" err="1">
+                <a:latin typeface="Arial Rounded MT Bold" charset="0"/>
+                <a:ea typeface="Arial Rounded MT Bold" charset="0"/>
+                <a:cs typeface="Arial Rounded MT Bold" charset="0"/>
+              </a:rPr>
+              <a:t>s</a:t>
+            </a:r>
+            <a:r>
+              <a:rPr lang="pt-BR" sz="3500" dirty="0" err="1" smtClean="0">
+                <a:latin typeface="Arial Rounded MT Bold" charset="0"/>
+                <a:ea typeface="Arial Rounded MT Bold" charset="0"/>
+                <a:cs typeface="Arial Rounded MT Bold" charset="0"/>
+              </a:rPr>
+              <a:t>ection</a:t>
+            </a:r>
+            <a:r>
+              <a:rPr lang="pt-BR" sz="3500" dirty="0" smtClean="0">
+                <a:latin typeface="Arial Rounded MT Bold" charset="0"/>
+                <a:ea typeface="Arial Rounded MT Bold" charset="0"/>
+                <a:cs typeface="Arial Rounded MT Bold" charset="0"/>
+              </a:rPr>
+              <a:t>, </a:t>
+            </a:r>
+            <a:r>
+              <a:rPr lang="pt-BR" sz="3500" dirty="0" err="1" smtClean="0">
+                <a:latin typeface="Arial Rounded MT Bold" charset="0"/>
+                <a:ea typeface="Arial Rounded MT Bold" charset="0"/>
+                <a:cs typeface="Arial Rounded MT Bold" charset="0"/>
+              </a:rPr>
+              <a:t>nav</a:t>
+            </a:r>
+            <a:r>
+              <a:rPr lang="pt-BR" sz="3500" dirty="0" smtClean="0">
+                <a:latin typeface="Arial Rounded MT Bold" charset="0"/>
+                <a:ea typeface="Arial Rounded MT Bold" charset="0"/>
+                <a:cs typeface="Arial Rounded MT Bold" charset="0"/>
+              </a:rPr>
+              <a:t>, </a:t>
+            </a:r>
+            <a:r>
+              <a:rPr lang="pt-BR" sz="3500" dirty="0" err="1" smtClean="0">
+                <a:latin typeface="Arial Rounded MT Bold" charset="0"/>
+                <a:ea typeface="Arial Rounded MT Bold" charset="0"/>
+                <a:cs typeface="Arial Rounded MT Bold" charset="0"/>
+              </a:rPr>
+              <a:t>article</a:t>
+            </a:r>
+            <a:r>
+              <a:rPr lang="pt-BR" sz="3500" dirty="0" smtClean="0">
+                <a:latin typeface="Arial Rounded MT Bold" charset="0"/>
+                <a:ea typeface="Arial Rounded MT Bold" charset="0"/>
+                <a:cs typeface="Arial Rounded MT Bold" charset="0"/>
+              </a:rPr>
+              <a:t>, </a:t>
+            </a:r>
+            <a:r>
+              <a:rPr lang="pt-BR" sz="3500" dirty="0" err="1" smtClean="0">
+                <a:latin typeface="Arial Rounded MT Bold" charset="0"/>
+                <a:ea typeface="Arial Rounded MT Bold" charset="0"/>
+                <a:cs typeface="Arial Rounded MT Bold" charset="0"/>
+              </a:rPr>
+              <a:t>aside</a:t>
+            </a:r>
+            <a:r>
+              <a:rPr lang="pt-BR" sz="3500" dirty="0" smtClean="0">
+                <a:latin typeface="Arial Rounded MT Bold" charset="0"/>
+                <a:ea typeface="Arial Rounded MT Bold" charset="0"/>
+                <a:cs typeface="Arial Rounded MT Bold" charset="0"/>
+              </a:rPr>
+              <a:t>, </a:t>
+            </a:r>
+            <a:r>
+              <a:rPr lang="pt-BR" sz="3500" dirty="0" err="1" smtClean="0">
+                <a:latin typeface="Arial Rounded MT Bold" charset="0"/>
+                <a:ea typeface="Arial Rounded MT Bold" charset="0"/>
+                <a:cs typeface="Arial Rounded MT Bold" charset="0"/>
+              </a:rPr>
+              <a:t>hgroup</a:t>
+            </a:r>
+            <a:r>
+              <a:rPr lang="pt-BR" sz="3500" dirty="0" smtClean="0">
+                <a:latin typeface="Arial Rounded MT Bold" charset="0"/>
+                <a:ea typeface="Arial Rounded MT Bold" charset="0"/>
+                <a:cs typeface="Arial Rounded MT Bold" charset="0"/>
+              </a:rPr>
+              <a:t>, header, </a:t>
+            </a:r>
+            <a:r>
+              <a:rPr lang="pt-BR" sz="3500" dirty="0" err="1" smtClean="0">
+                <a:latin typeface="Arial Rounded MT Bold" charset="0"/>
+                <a:ea typeface="Arial Rounded MT Bold" charset="0"/>
+                <a:cs typeface="Arial Rounded MT Bold" charset="0"/>
+              </a:rPr>
+              <a:t>footer</a:t>
+            </a:r>
+            <a:r>
+              <a:rPr lang="pt-BR" sz="3500" dirty="0" smtClean="0">
+                <a:latin typeface="Arial Rounded MT Bold" charset="0"/>
+                <a:ea typeface="Arial Rounded MT Bold" charset="0"/>
+                <a:cs typeface="Arial Rounded MT Bold" charset="0"/>
+              </a:rPr>
+              <a:t>, time</a:t>
+            </a:r>
+            <a:endParaRPr lang="pt-BR" sz="3500" dirty="0">
+              <a:latin typeface="Arial Rounded MT Bold" charset="0"/>
+              <a:ea typeface="Arial Rounded MT Bold" charset="0"/>
+              <a:cs typeface="Arial Rounded MT Bold" charset="0"/>
+            </a:endParaRPr>
+          </a:p>
+        </p:txBody>
+      </p:sp>
+      <p:sp>
+        <p:nvSpPr>
+          <p:cNvPr id="5" name="Espaço Reservado para Conteúdo 2"/>
+          <p:cNvSpPr txBox="1">
+            <a:spLocks/>
+          </p:cNvSpPr>
+          <p:nvPr/>
+        </p:nvSpPr>
+        <p:spPr>
+          <a:xfrm>
+            <a:off x="1371600" y="3657600"/>
+            <a:ext cx="9601200" cy="703780"/>
+          </a:xfrm>
+          <a:prstGeom prst="rect">
+            <a:avLst/>
+          </a:prstGeom>
+        </p:spPr>
+        <p:txBody>
+          <a:bodyPr vert="horz" lIns="91440" tIns="45720" rIns="91440" bIns="45720" rtlCol="0">
+            <a:normAutofit/>
+          </a:bodyPr>
+          <a:lstStyle>
+            <a:lvl1pPr marL="384048" indent="-384048" algn="l" defTabSz="914400" rtl="0" eaLnBrk="1" latinLnBrk="0" hangingPunct="1">
+              <a:lnSpc>
+                <a:spcPct val="94000"/>
+              </a:lnSpc>
+              <a:spcBef>
+                <a:spcPts val="1000"/>
+              </a:spcBef>
+              <a:spcAft>
+                <a:spcPts val="200"/>
+              </a:spcAft>
+              <a:buFont typeface="Franklin Gothic Book" panose="020B0503020102020204" pitchFamily="34" charset="0"/>
+              <a:buChar char="■"/>
+              <a:defRPr sz="2000" kern="1200" baseline="0">
+                <a:solidFill>
+                  <a:schemeClr val="tx2"/>
+                </a:solidFill>
+                <a:latin typeface="+mn-lt"/>
+                <a:ea typeface="+mn-ea"/>
+                <a:cs typeface="+mn-cs"/>
+              </a:defRPr>
+            </a:lvl1pPr>
+            <a:lvl2pPr marL="914400" indent="-384048" algn="l" defTabSz="914400" rtl="0" eaLnBrk="1" latinLnBrk="0" hangingPunct="1">
+              <a:lnSpc>
+                <a:spcPct val="94000"/>
+              </a:lnSpc>
+              <a:spcBef>
+                <a:spcPts val="500"/>
+              </a:spcBef>
+              <a:spcAft>
+                <a:spcPts val="200"/>
+              </a:spcAft>
+              <a:buFont typeface="Franklin Gothic Book" panose="020B0503020102020204" pitchFamily="34" charset="0"/>
+              <a:buChar char="–"/>
+              <a:defRPr sz="2000" i="1" kern="1200" baseline="0">
+                <a:solidFill>
+                  <a:schemeClr val="tx2"/>
+                </a:solidFill>
+                <a:latin typeface="+mn-lt"/>
+                <a:ea typeface="+mn-ea"/>
+                <a:cs typeface="+mn-cs"/>
+              </a:defRPr>
+            </a:lvl2pPr>
+            <a:lvl3pPr marL="1371600" indent="-384048" algn="l" defTabSz="914400" rtl="0" eaLnBrk="1" latinLnBrk="0" hangingPunct="1">
+              <a:lnSpc>
+                <a:spcPct val="94000"/>
+              </a:lnSpc>
+              <a:spcBef>
+                <a:spcPts val="500"/>
+              </a:spcBef>
+              <a:spcAft>
+                <a:spcPts val="200"/>
+              </a:spcAft>
+              <a:buFont typeface="Franklin Gothic Book" panose="020B0503020102020204" pitchFamily="34" charset="0"/>
+              <a:buChar char="■"/>
+              <a:defRPr sz="1800" kern="1200" baseline="0">
+                <a:solidFill>
+                  <a:schemeClr val="tx2"/>
+                </a:solidFill>
+                <a:latin typeface="+mn-lt"/>
+                <a:ea typeface="+mn-ea"/>
+                <a:cs typeface="+mn-cs"/>
+              </a:defRPr>
+            </a:lvl3pPr>
+            <a:lvl4pPr marL="1828800" indent="-384048" algn="l" defTabSz="914400" rtl="0" eaLnBrk="1" latinLnBrk="0" hangingPunct="1">
+              <a:lnSpc>
+                <a:spcPct val="94000"/>
+              </a:lnSpc>
+              <a:spcBef>
+                <a:spcPts val="500"/>
+              </a:spcBef>
+              <a:spcAft>
+                <a:spcPts val="200"/>
+              </a:spcAft>
+              <a:buFont typeface="Franklin Gothic Book" panose="020B0503020102020204" pitchFamily="34" charset="0"/>
+              <a:buChar char="–"/>
+              <a:defRPr sz="1800" i="1" kern="1200" baseline="0">
+                <a:solidFill>
+                  <a:schemeClr val="tx2"/>
+                </a:solidFill>
+                <a:latin typeface="+mn-lt"/>
+                <a:ea typeface="+mn-ea"/>
+                <a:cs typeface="+mn-cs"/>
+              </a:defRPr>
+            </a:lvl4pPr>
+            <a:lvl5pPr marL="2286000" indent="-384048" algn="l" defTabSz="914400" rtl="0" eaLnBrk="1" latinLnBrk="0" hangingPunct="1">
+              <a:lnSpc>
+                <a:spcPct val="94000"/>
+              </a:lnSpc>
+              <a:spcBef>
+                <a:spcPts val="500"/>
+              </a:spcBef>
+              <a:spcAft>
+                <a:spcPts val="200"/>
+              </a:spcAft>
+              <a:buFont typeface="Franklin Gothic Book" panose="020B0503020102020204" pitchFamily="34" charset="0"/>
+              <a:buChar char="■"/>
+              <a:defRPr sz="1600" kern="1200" baseline="0">
+                <a:solidFill>
+                  <a:schemeClr val="tx2"/>
+                </a:solidFill>
+                <a:latin typeface="+mn-lt"/>
+                <a:ea typeface="+mn-ea"/>
+                <a:cs typeface="+mn-cs"/>
+              </a:defRPr>
+            </a:lvl5pPr>
+            <a:lvl6pPr marL="2743200" indent="-384048" algn="l" defTabSz="914400" rtl="0" eaLnBrk="1" latinLnBrk="0" hangingPunct="1">
+              <a:lnSpc>
+                <a:spcPct val="94000"/>
+              </a:lnSpc>
+              <a:spcBef>
+                <a:spcPts val="500"/>
+              </a:spcBef>
+              <a:spcAft>
+                <a:spcPts val="200"/>
+              </a:spcAft>
+              <a:buFont typeface="Franklin Gothic Book" panose="020B0503020102020204" pitchFamily="34" charset="0"/>
+              <a:buChar char="–"/>
+              <a:defRPr sz="1600" i="1" kern="1200" baseline="0">
+                <a:solidFill>
+                  <a:schemeClr val="tx2"/>
+                </a:solidFill>
+                <a:latin typeface="+mn-lt"/>
+                <a:ea typeface="+mn-ea"/>
+                <a:cs typeface="+mn-cs"/>
+              </a:defRPr>
+            </a:lvl6pPr>
+            <a:lvl7pPr marL="3200400" indent="-384048" algn="l" defTabSz="914400" rtl="0" eaLnBrk="1" latinLnBrk="0" hangingPunct="1">
+              <a:lnSpc>
+                <a:spcPct val="94000"/>
+              </a:lnSpc>
+              <a:spcBef>
+                <a:spcPts val="500"/>
+              </a:spcBef>
+              <a:spcAft>
+                <a:spcPts val="200"/>
+              </a:spcAft>
+              <a:buFont typeface="Franklin Gothic Book" panose="020B0503020102020204" pitchFamily="34" charset="0"/>
+              <a:buChar char="■"/>
+              <a:defRPr sz="1400" kern="1200" baseline="0">
+                <a:solidFill>
+                  <a:schemeClr val="tx2"/>
+                </a:solidFill>
+                <a:latin typeface="+mn-lt"/>
+                <a:ea typeface="+mn-ea"/>
+                <a:cs typeface="+mn-cs"/>
+              </a:defRPr>
+            </a:lvl7pPr>
+            <a:lvl8pPr marL="3657600" indent="-384048" algn="l" defTabSz="914400" rtl="0" eaLnBrk="1" latinLnBrk="0" hangingPunct="1">
+              <a:lnSpc>
+                <a:spcPct val="94000"/>
+              </a:lnSpc>
+              <a:spcBef>
+                <a:spcPts val="500"/>
+              </a:spcBef>
+              <a:spcAft>
+                <a:spcPts val="200"/>
+              </a:spcAft>
+              <a:buFont typeface="Franklin Gothic Book" panose="020B0503020102020204" pitchFamily="34" charset="0"/>
+              <a:buChar char="–"/>
+              <a:defRPr sz="1400" i="1" kern="1200" baseline="0">
+                <a:solidFill>
+                  <a:schemeClr val="tx2"/>
+                </a:solidFill>
+                <a:latin typeface="+mn-lt"/>
+                <a:ea typeface="+mn-ea"/>
+                <a:cs typeface="+mn-cs"/>
+              </a:defRPr>
+            </a:lvl8pPr>
+            <a:lvl9pPr marL="4114800" indent="-384048" algn="l" defTabSz="914400" rtl="0" eaLnBrk="1" latinLnBrk="0" hangingPunct="1">
+              <a:lnSpc>
+                <a:spcPct val="94000"/>
+              </a:lnSpc>
+              <a:spcBef>
+                <a:spcPts val="500"/>
+              </a:spcBef>
+              <a:spcAft>
+                <a:spcPts val="200"/>
+              </a:spcAft>
+              <a:buFont typeface="Franklin Gothic Book" panose="020B0503020102020204" pitchFamily="34" charset="0"/>
+              <a:buChar char="■"/>
+              <a:defRPr sz="1400" kern="1200" baseline="0">
+                <a:solidFill>
+                  <a:schemeClr val="tx2"/>
+                </a:solidFill>
+                <a:latin typeface="+mn-lt"/>
+                <a:ea typeface="+mn-ea"/>
+                <a:cs typeface="+mn-cs"/>
+              </a:defRPr>
+            </a:lvl9pPr>
+          </a:lstStyle>
+          <a:p>
+            <a:pPr marL="0" indent="0" algn="ctr">
+              <a:buFont typeface="Franklin Gothic Book" panose="020B0503020102020204" pitchFamily="34" charset="0"/>
+              <a:buNone/>
+            </a:pPr>
+            <a:r>
+              <a:rPr lang="pt-BR" sz="3500" dirty="0" smtClean="0">
+                <a:latin typeface="Arial Rounded MT Bold" charset="0"/>
+                <a:ea typeface="Arial Rounded MT Bold" charset="0"/>
+                <a:cs typeface="Arial Rounded MT Bold" charset="0"/>
+              </a:rPr>
+              <a:t>Atributos</a:t>
+            </a:r>
+            <a:endParaRPr lang="pt-BR" sz="3500" dirty="0">
+              <a:latin typeface="Arial Rounded MT Bold" charset="0"/>
+              <a:ea typeface="Arial Rounded MT Bold" charset="0"/>
+              <a:cs typeface="Arial Rounded MT Bold" charset="0"/>
+            </a:endParaRPr>
+          </a:p>
+        </p:txBody>
+      </p:sp>
+      <p:sp>
+        <p:nvSpPr>
+          <p:cNvPr id="6" name="Espaço Reservado para Conteúdo 2"/>
+          <p:cNvSpPr txBox="1">
+            <a:spLocks/>
+          </p:cNvSpPr>
+          <p:nvPr/>
+        </p:nvSpPr>
+        <p:spPr>
+          <a:xfrm>
+            <a:off x="1371600" y="4361380"/>
+            <a:ext cx="9601200" cy="559942"/>
+          </a:xfrm>
+          <a:prstGeom prst="rect">
+            <a:avLst/>
+          </a:prstGeom>
+        </p:spPr>
+        <p:txBody>
+          <a:bodyPr vert="horz" lIns="91440" tIns="45720" rIns="91440" bIns="45720" rtlCol="0">
+            <a:noAutofit/>
+          </a:bodyPr>
+          <a:lstStyle>
+            <a:lvl1pPr marL="384048" indent="-384048" algn="l" defTabSz="914400" rtl="0" eaLnBrk="1" latinLnBrk="0" hangingPunct="1">
+              <a:lnSpc>
+                <a:spcPct val="94000"/>
+              </a:lnSpc>
+              <a:spcBef>
+                <a:spcPts val="1000"/>
+              </a:spcBef>
+              <a:spcAft>
+                <a:spcPts val="200"/>
+              </a:spcAft>
+              <a:buFont typeface="Franklin Gothic Book" panose="020B0503020102020204" pitchFamily="34" charset="0"/>
+              <a:buChar char="■"/>
+              <a:defRPr sz="2000" kern="1200" baseline="0">
+                <a:solidFill>
+                  <a:schemeClr val="tx2"/>
+                </a:solidFill>
+                <a:latin typeface="+mn-lt"/>
+                <a:ea typeface="+mn-ea"/>
+                <a:cs typeface="+mn-cs"/>
+              </a:defRPr>
+            </a:lvl1pPr>
+            <a:lvl2pPr marL="914400" indent="-384048" algn="l" defTabSz="914400" rtl="0" eaLnBrk="1" latinLnBrk="0" hangingPunct="1">
+              <a:lnSpc>
+                <a:spcPct val="94000"/>
+              </a:lnSpc>
+              <a:spcBef>
+                <a:spcPts val="500"/>
+              </a:spcBef>
+              <a:spcAft>
+                <a:spcPts val="200"/>
+              </a:spcAft>
+              <a:buFont typeface="Franklin Gothic Book" panose="020B0503020102020204" pitchFamily="34" charset="0"/>
+              <a:buChar char="–"/>
+              <a:defRPr sz="2000" i="1" kern="1200" baseline="0">
+                <a:solidFill>
+                  <a:schemeClr val="tx2"/>
+                </a:solidFill>
+                <a:latin typeface="+mn-lt"/>
+                <a:ea typeface="+mn-ea"/>
+                <a:cs typeface="+mn-cs"/>
+              </a:defRPr>
+            </a:lvl2pPr>
+            <a:lvl3pPr marL="1371600" indent="-384048" algn="l" defTabSz="914400" rtl="0" eaLnBrk="1" latinLnBrk="0" hangingPunct="1">
+              <a:lnSpc>
+                <a:spcPct val="94000"/>
+              </a:lnSpc>
+              <a:spcBef>
+                <a:spcPts val="500"/>
+              </a:spcBef>
+              <a:spcAft>
+                <a:spcPts val="200"/>
+              </a:spcAft>
+              <a:buFont typeface="Franklin Gothic Book" panose="020B0503020102020204" pitchFamily="34" charset="0"/>
+              <a:buChar char="■"/>
+              <a:defRPr sz="1800" kern="1200" baseline="0">
+                <a:solidFill>
+                  <a:schemeClr val="tx2"/>
+                </a:solidFill>
+                <a:latin typeface="+mn-lt"/>
+                <a:ea typeface="+mn-ea"/>
+                <a:cs typeface="+mn-cs"/>
+              </a:defRPr>
+            </a:lvl3pPr>
+            <a:lvl4pPr marL="1828800" indent="-384048" algn="l" defTabSz="914400" rtl="0" eaLnBrk="1" latinLnBrk="0" hangingPunct="1">
+              <a:lnSpc>
+                <a:spcPct val="94000"/>
+              </a:lnSpc>
+              <a:spcBef>
+                <a:spcPts val="500"/>
+              </a:spcBef>
+              <a:spcAft>
+                <a:spcPts val="200"/>
+              </a:spcAft>
+              <a:buFont typeface="Franklin Gothic Book" panose="020B0503020102020204" pitchFamily="34" charset="0"/>
+              <a:buChar char="–"/>
+              <a:defRPr sz="1800" i="1" kern="1200" baseline="0">
+                <a:solidFill>
+                  <a:schemeClr val="tx2"/>
+                </a:solidFill>
+                <a:latin typeface="+mn-lt"/>
+                <a:ea typeface="+mn-ea"/>
+                <a:cs typeface="+mn-cs"/>
+              </a:defRPr>
+            </a:lvl4pPr>
+            <a:lvl5pPr marL="2286000" indent="-384048" algn="l" defTabSz="914400" rtl="0" eaLnBrk="1" latinLnBrk="0" hangingPunct="1">
+              <a:lnSpc>
+                <a:spcPct val="94000"/>
+              </a:lnSpc>
+              <a:spcBef>
+                <a:spcPts val="500"/>
+              </a:spcBef>
+              <a:spcAft>
+                <a:spcPts val="200"/>
+              </a:spcAft>
+              <a:buFont typeface="Franklin Gothic Book" panose="020B0503020102020204" pitchFamily="34" charset="0"/>
+              <a:buChar char="■"/>
+              <a:defRPr sz="1600" kern="1200" baseline="0">
+                <a:solidFill>
+                  <a:schemeClr val="tx2"/>
+                </a:solidFill>
+                <a:latin typeface="+mn-lt"/>
+                <a:ea typeface="+mn-ea"/>
+                <a:cs typeface="+mn-cs"/>
+              </a:defRPr>
+            </a:lvl5pPr>
+            <a:lvl6pPr marL="2743200" indent="-384048" algn="l" defTabSz="914400" rtl="0" eaLnBrk="1" latinLnBrk="0" hangingPunct="1">
+              <a:lnSpc>
+                <a:spcPct val="94000"/>
+              </a:lnSpc>
+              <a:spcBef>
+                <a:spcPts val="500"/>
+              </a:spcBef>
+              <a:spcAft>
+                <a:spcPts val="200"/>
+              </a:spcAft>
+              <a:buFont typeface="Franklin Gothic Book" panose="020B0503020102020204" pitchFamily="34" charset="0"/>
+              <a:buChar char="–"/>
+              <a:defRPr sz="1600" i="1" kern="1200" baseline="0">
+                <a:solidFill>
+                  <a:schemeClr val="tx2"/>
+                </a:solidFill>
+                <a:latin typeface="+mn-lt"/>
+                <a:ea typeface="+mn-ea"/>
+                <a:cs typeface="+mn-cs"/>
+              </a:defRPr>
+            </a:lvl6pPr>
+            <a:lvl7pPr marL="3200400" indent="-384048" algn="l" defTabSz="914400" rtl="0" eaLnBrk="1" latinLnBrk="0" hangingPunct="1">
+              <a:lnSpc>
+                <a:spcPct val="94000"/>
+              </a:lnSpc>
+              <a:spcBef>
+                <a:spcPts val="500"/>
+              </a:spcBef>
+              <a:spcAft>
+                <a:spcPts val="200"/>
+              </a:spcAft>
+              <a:buFont typeface="Franklin Gothic Book" panose="020B0503020102020204" pitchFamily="34" charset="0"/>
+              <a:buChar char="■"/>
+              <a:defRPr sz="1400" kern="1200" baseline="0">
+                <a:solidFill>
+                  <a:schemeClr val="tx2"/>
+                </a:solidFill>
+                <a:latin typeface="+mn-lt"/>
+                <a:ea typeface="+mn-ea"/>
+                <a:cs typeface="+mn-cs"/>
+              </a:defRPr>
+            </a:lvl7pPr>
+            <a:lvl8pPr marL="3657600" indent="-384048" algn="l" defTabSz="914400" rtl="0" eaLnBrk="1" latinLnBrk="0" hangingPunct="1">
+              <a:lnSpc>
+                <a:spcPct val="94000"/>
+              </a:lnSpc>
+              <a:spcBef>
+                <a:spcPts val="500"/>
+              </a:spcBef>
+              <a:spcAft>
+                <a:spcPts val="200"/>
+              </a:spcAft>
+              <a:buFont typeface="Franklin Gothic Book" panose="020B0503020102020204" pitchFamily="34" charset="0"/>
+              <a:buChar char="–"/>
+              <a:defRPr sz="1400" i="1" kern="1200" baseline="0">
+                <a:solidFill>
+                  <a:schemeClr val="tx2"/>
+                </a:solidFill>
+                <a:latin typeface="+mn-lt"/>
+                <a:ea typeface="+mn-ea"/>
+                <a:cs typeface="+mn-cs"/>
+              </a:defRPr>
+            </a:lvl8pPr>
+            <a:lvl9pPr marL="4114800" indent="-384048" algn="l" defTabSz="914400" rtl="0" eaLnBrk="1" latinLnBrk="0" hangingPunct="1">
+              <a:lnSpc>
+                <a:spcPct val="94000"/>
+              </a:lnSpc>
+              <a:spcBef>
+                <a:spcPts val="500"/>
+              </a:spcBef>
+              <a:spcAft>
+                <a:spcPts val="200"/>
+              </a:spcAft>
+              <a:buFont typeface="Franklin Gothic Book" panose="020B0503020102020204" pitchFamily="34" charset="0"/>
+              <a:buChar char="■"/>
+              <a:defRPr sz="1400" kern="1200" baseline="0">
+                <a:solidFill>
+                  <a:schemeClr val="tx2"/>
+                </a:solidFill>
+                <a:latin typeface="+mn-lt"/>
+                <a:ea typeface="+mn-ea"/>
+                <a:cs typeface="+mn-cs"/>
+              </a:defRPr>
+            </a:lvl9pPr>
+          </a:lstStyle>
+          <a:p>
+            <a:pPr marL="0" indent="0" algn="ctr">
+              <a:buFont typeface="Franklin Gothic Book" panose="020B0503020102020204" pitchFamily="34" charset="0"/>
+              <a:buNone/>
+            </a:pPr>
+            <a:r>
+              <a:rPr lang="pt-BR" sz="2700" dirty="0" err="1">
+                <a:latin typeface="Arial Rounded MT Bold" charset="0"/>
+                <a:ea typeface="Arial Rounded MT Bold" charset="0"/>
+                <a:cs typeface="Arial Rounded MT Bold" charset="0"/>
+              </a:rPr>
+              <a:t>a</a:t>
+            </a:r>
+            <a:r>
+              <a:rPr lang="pt-BR" sz="2700" dirty="0" err="1" smtClean="0">
+                <a:latin typeface="Arial Rounded MT Bold" charset="0"/>
+                <a:ea typeface="Arial Rounded MT Bold" charset="0"/>
+                <a:cs typeface="Arial Rounded MT Bold" charset="0"/>
+              </a:rPr>
+              <a:t>utofocus</a:t>
+            </a:r>
+            <a:r>
+              <a:rPr lang="pt-BR" sz="2700" dirty="0" smtClean="0">
+                <a:latin typeface="Arial Rounded MT Bold" charset="0"/>
+                <a:ea typeface="Arial Rounded MT Bold" charset="0"/>
+                <a:cs typeface="Arial Rounded MT Bold" charset="0"/>
+              </a:rPr>
+              <a:t>, link, </a:t>
+            </a:r>
+            <a:r>
+              <a:rPr lang="pt-BR" sz="2700" dirty="0" err="1" smtClean="0">
+                <a:latin typeface="Arial Rounded MT Bold" charset="0"/>
+                <a:ea typeface="Arial Rounded MT Bold" charset="0"/>
+                <a:cs typeface="Arial Rounded MT Bold" charset="0"/>
+              </a:rPr>
+              <a:t>novalidate</a:t>
+            </a:r>
+            <a:r>
+              <a:rPr lang="pt-BR" sz="2700" dirty="0" smtClean="0">
+                <a:latin typeface="Arial Rounded MT Bold" charset="0"/>
+                <a:ea typeface="Arial Rounded MT Bold" charset="0"/>
+                <a:cs typeface="Arial Rounded MT Bold" charset="0"/>
+              </a:rPr>
+              <a:t>, </a:t>
+            </a:r>
+            <a:r>
+              <a:rPr lang="pt-BR" sz="2700" dirty="0" err="1" smtClean="0">
+                <a:latin typeface="Arial Rounded MT Bold" charset="0"/>
+                <a:ea typeface="Arial Rounded MT Bold" charset="0"/>
+                <a:cs typeface="Arial Rounded MT Bold" charset="0"/>
+              </a:rPr>
+              <a:t>reversed</a:t>
+            </a:r>
+            <a:r>
+              <a:rPr lang="pt-BR" sz="2700" dirty="0" smtClean="0">
+                <a:latin typeface="Arial Rounded MT Bold" charset="0"/>
+                <a:ea typeface="Arial Rounded MT Bold" charset="0"/>
+                <a:cs typeface="Arial Rounded MT Bold" charset="0"/>
+              </a:rPr>
+              <a:t>, </a:t>
+            </a:r>
+            <a:r>
+              <a:rPr lang="pt-BR" sz="2700" dirty="0" err="1" smtClean="0">
+                <a:latin typeface="Arial Rounded MT Bold" charset="0"/>
+                <a:ea typeface="Arial Rounded MT Bold" charset="0"/>
+                <a:cs typeface="Arial Rounded MT Bold" charset="0"/>
+              </a:rPr>
+              <a:t>disabled</a:t>
+            </a:r>
+            <a:r>
+              <a:rPr lang="pt-BR" sz="2700" dirty="0" smtClean="0">
+                <a:latin typeface="Arial Rounded MT Bold" charset="0"/>
+                <a:ea typeface="Arial Rounded MT Bold" charset="0"/>
+                <a:cs typeface="Arial Rounded MT Bold" charset="0"/>
+              </a:rPr>
+              <a:t>, </a:t>
+            </a:r>
+            <a:r>
+              <a:rPr lang="pt-BR" sz="2700" dirty="0" err="1" smtClean="0">
+                <a:latin typeface="Arial Rounded MT Bold" charset="0"/>
+                <a:ea typeface="Arial Rounded MT Bold" charset="0"/>
+                <a:cs typeface="Arial Rounded MT Bold" charset="0"/>
+              </a:rPr>
+              <a:t>placeholder</a:t>
+            </a:r>
+            <a:r>
+              <a:rPr lang="pt-BR" sz="2700" dirty="0" smtClean="0">
+                <a:latin typeface="Arial Rounded MT Bold" charset="0"/>
+                <a:ea typeface="Arial Rounded MT Bold" charset="0"/>
+                <a:cs typeface="Arial Rounded MT Bold" charset="0"/>
+              </a:rPr>
+              <a:t>, </a:t>
+            </a:r>
+            <a:r>
+              <a:rPr lang="pt-BR" sz="2700" dirty="0" err="1" smtClean="0">
+                <a:latin typeface="Arial Rounded MT Bold" charset="0"/>
+                <a:ea typeface="Arial Rounded MT Bold" charset="0"/>
+                <a:cs typeface="Arial Rounded MT Bold" charset="0"/>
+              </a:rPr>
+              <a:t>hreflang</a:t>
+            </a:r>
+            <a:r>
+              <a:rPr lang="pt-BR" sz="2700" dirty="0" smtClean="0">
+                <a:latin typeface="Arial Rounded MT Bold" charset="0"/>
+                <a:ea typeface="Arial Rounded MT Bold" charset="0"/>
+                <a:cs typeface="Arial Rounded MT Bold" charset="0"/>
+              </a:rPr>
+              <a:t>, </a:t>
+            </a:r>
+            <a:r>
+              <a:rPr lang="pt-BR" sz="2700" dirty="0" err="1" smtClean="0">
+                <a:latin typeface="Arial Rounded MT Bold" charset="0"/>
+                <a:ea typeface="Arial Rounded MT Bold" charset="0"/>
+                <a:cs typeface="Arial Rounded MT Bold" charset="0"/>
+              </a:rPr>
+              <a:t>rel</a:t>
+            </a:r>
+            <a:r>
+              <a:rPr lang="pt-BR" sz="2700" dirty="0" smtClean="0">
+                <a:latin typeface="Arial Rounded MT Bold" charset="0"/>
+                <a:ea typeface="Arial Rounded MT Bold" charset="0"/>
+                <a:cs typeface="Arial Rounded MT Bold" charset="0"/>
+              </a:rPr>
+              <a:t>, </a:t>
+            </a:r>
+            <a:r>
+              <a:rPr lang="pt-BR" sz="2700" dirty="0" err="1" smtClean="0">
+                <a:latin typeface="Arial Rounded MT Bold" charset="0"/>
+                <a:ea typeface="Arial Rounded MT Bold" charset="0"/>
+                <a:cs typeface="Arial Rounded MT Bold" charset="0"/>
+              </a:rPr>
+              <a:t>target</a:t>
+            </a:r>
+            <a:r>
+              <a:rPr lang="pt-BR" sz="2700" dirty="0" smtClean="0">
+                <a:latin typeface="Arial Rounded MT Bold" charset="0"/>
+                <a:ea typeface="Arial Rounded MT Bold" charset="0"/>
+                <a:cs typeface="Arial Rounded MT Bold" charset="0"/>
+              </a:rPr>
+              <a:t>, </a:t>
+            </a:r>
+            <a:r>
+              <a:rPr lang="pt-BR" sz="2700" dirty="0" err="1" smtClean="0">
+                <a:latin typeface="Arial Rounded MT Bold" charset="0"/>
+                <a:ea typeface="Arial Rounded MT Bold" charset="0"/>
+                <a:cs typeface="Arial Rounded MT Bold" charset="0"/>
+              </a:rPr>
+              <a:t>contenteditable</a:t>
+            </a:r>
+            <a:r>
+              <a:rPr lang="pt-BR" sz="2700" dirty="0" smtClean="0">
+                <a:latin typeface="Arial Rounded MT Bold" charset="0"/>
+                <a:ea typeface="Arial Rounded MT Bold" charset="0"/>
+                <a:cs typeface="Arial Rounded MT Bold" charset="0"/>
+              </a:rPr>
+              <a:t>, </a:t>
+            </a:r>
+            <a:r>
+              <a:rPr lang="pt-BR" sz="2700" dirty="0" err="1" smtClean="0">
+                <a:latin typeface="Arial Rounded MT Bold" charset="0"/>
+                <a:ea typeface="Arial Rounded MT Bold" charset="0"/>
+                <a:cs typeface="Arial Rounded MT Bold" charset="0"/>
+              </a:rPr>
+              <a:t>spellchek</a:t>
+            </a:r>
+            <a:endParaRPr lang="pt-BR" sz="2700" dirty="0">
+              <a:latin typeface="Arial Rounded MT Bold" charset="0"/>
+              <a:ea typeface="Arial Rounded MT Bold" charset="0"/>
+              <a:cs typeface="Arial Rounded MT Bold" charset="0"/>
+            </a:endParaRPr>
+          </a:p>
+        </p:txBody>
+      </p:sp>
+    </p:spTree>
+    <p:extLst>
+      <p:ext uri="{BB962C8B-B14F-4D97-AF65-F5344CB8AC3E}">
+        <p14:creationId xmlns:p14="http://schemas.microsoft.com/office/powerpoint/2010/main" val="1618588886"/>
+      </p:ext>
+    </p:extLst>
+  </p:cSld>
+  <p:clrMapOvr>
+    <a:masterClrMapping/>
+  </p:clrMapOvr>
+</p:sld>
+</file>
+
+<file path=ppt/slides/slide6.xml><?xml version="1.0" encoding="utf-8"?>
+<p:sld xmlns:a="http://schemas.openxmlformats.org/drawingml/2006/main" xmlns:r="http://schemas.openxmlformats.org/officeDocument/2006/relationships" xmlns:p="http://schemas.openxmlformats.org/presentationml/2006/main">
+  <p:cSld>
+    <p:spTree>
+      <p:nvGrpSpPr>
+        <p:cNvPr id="1" name=""/>
+        <p:cNvGrpSpPr/>
+        <p:nvPr/>
+      </p:nvGrpSpPr>
+      <p:grpSpPr>
+        <a:xfrm>
+          <a:off x="0" y="0"/>
+          <a:ext cx="0" cy="0"/>
+          <a:chOff x="0" y="0"/>
+          <a:chExt cx="0" cy="0"/>
+        </a:xfrm>
+      </p:grpSpPr>
+      <p:sp>
+        <p:nvSpPr>
+          <p:cNvPr id="2" name="Título 1"/>
+          <p:cNvSpPr>
+            <a:spLocks noGrp="1"/>
+          </p:cNvSpPr>
+          <p:nvPr>
+            <p:ph type="title"/>
+          </p:nvPr>
+        </p:nvSpPr>
+        <p:spPr/>
+        <p:txBody>
+          <a:bodyPr/>
+          <a:lstStyle/>
+          <a:p>
+            <a:r>
+              <a:rPr lang="pt-BR" dirty="0" smtClean="0">
+                <a:latin typeface="Arial Rounded MT Bold" charset="0"/>
+                <a:ea typeface="Arial Rounded MT Bold" charset="0"/>
+                <a:cs typeface="Arial Rounded MT Bold" charset="0"/>
+              </a:rPr>
+              <a:t>HTML 5 | O que tem de novo?</a:t>
+            </a:r>
+            <a:endParaRPr lang="pt-BR" dirty="0">
+              <a:latin typeface="Arial Rounded MT Bold" charset="0"/>
+              <a:ea typeface="Arial Rounded MT Bold" charset="0"/>
+              <a:cs typeface="Arial Rounded MT Bold" charset="0"/>
+            </a:endParaRPr>
+          </a:p>
+        </p:txBody>
+      </p:sp>
+      <p:sp>
+        <p:nvSpPr>
+          <p:cNvPr id="3" name="Espaço Reservado para Conteúdo 2"/>
+          <p:cNvSpPr>
+            <a:spLocks noGrp="1"/>
+          </p:cNvSpPr>
+          <p:nvPr>
+            <p:ph idx="1"/>
+          </p:nvPr>
+        </p:nvSpPr>
+        <p:spPr>
+          <a:xfrm>
+            <a:off x="1371600" y="2171700"/>
+            <a:ext cx="9601200" cy="703780"/>
+          </a:xfrm>
+        </p:spPr>
+        <p:txBody>
+          <a:bodyPr>
+            <a:normAutofit/>
+          </a:bodyPr>
+          <a:lstStyle/>
+          <a:p>
+            <a:pPr marL="0" indent="0" algn="ctr">
+              <a:buNone/>
+            </a:pPr>
+            <a:r>
+              <a:rPr lang="pt-BR" sz="3500" dirty="0" smtClean="0">
+                <a:latin typeface="Arial Rounded MT Bold" charset="0"/>
+                <a:ea typeface="Arial Rounded MT Bold" charset="0"/>
+                <a:cs typeface="Arial Rounded MT Bold" charset="0"/>
+              </a:rPr>
+              <a:t>Elementos Modificados</a:t>
+            </a:r>
+            <a:endParaRPr lang="pt-BR" sz="3500" dirty="0">
+              <a:latin typeface="Arial Rounded MT Bold" charset="0"/>
+              <a:ea typeface="Arial Rounded MT Bold" charset="0"/>
+              <a:cs typeface="Arial Rounded MT Bold" charset="0"/>
+            </a:endParaRPr>
+          </a:p>
+        </p:txBody>
+      </p:sp>
+      <p:sp>
+        <p:nvSpPr>
+          <p:cNvPr id="4" name="Espaço Reservado para Conteúdo 2"/>
+          <p:cNvSpPr txBox="1">
+            <a:spLocks/>
+          </p:cNvSpPr>
+          <p:nvPr/>
+        </p:nvSpPr>
+        <p:spPr>
+          <a:xfrm>
+            <a:off x="1371600" y="2921712"/>
+            <a:ext cx="9601200" cy="559942"/>
+          </a:xfrm>
+          <a:prstGeom prst="rect">
+            <a:avLst/>
+          </a:prstGeom>
+        </p:spPr>
+        <p:txBody>
+          <a:bodyPr vert="horz" lIns="91440" tIns="45720" rIns="91440" bIns="45720" rtlCol="0">
+            <a:normAutofit/>
+          </a:bodyPr>
+          <a:lstStyle>
+            <a:lvl1pPr marL="384048" indent="-384048" algn="l" defTabSz="914400" rtl="0" eaLnBrk="1" latinLnBrk="0" hangingPunct="1">
+              <a:lnSpc>
+                <a:spcPct val="94000"/>
+              </a:lnSpc>
+              <a:spcBef>
+                <a:spcPts val="1000"/>
+              </a:spcBef>
+              <a:spcAft>
+                <a:spcPts val="200"/>
+              </a:spcAft>
+              <a:buFont typeface="Franklin Gothic Book" panose="020B0503020102020204" pitchFamily="34" charset="0"/>
+              <a:buChar char="■"/>
+              <a:defRPr sz="2000" kern="1200" baseline="0">
+                <a:solidFill>
+                  <a:schemeClr val="tx2"/>
+                </a:solidFill>
+                <a:latin typeface="+mn-lt"/>
+                <a:ea typeface="+mn-ea"/>
+                <a:cs typeface="+mn-cs"/>
+              </a:defRPr>
+            </a:lvl1pPr>
+            <a:lvl2pPr marL="914400" indent="-384048" algn="l" defTabSz="914400" rtl="0" eaLnBrk="1" latinLnBrk="0" hangingPunct="1">
+              <a:lnSpc>
+                <a:spcPct val="94000"/>
+              </a:lnSpc>
+              <a:spcBef>
+                <a:spcPts val="500"/>
+              </a:spcBef>
+              <a:spcAft>
+                <a:spcPts val="200"/>
+              </a:spcAft>
+              <a:buFont typeface="Franklin Gothic Book" panose="020B0503020102020204" pitchFamily="34" charset="0"/>
+              <a:buChar char="–"/>
+              <a:defRPr sz="2000" i="1" kern="1200" baseline="0">
+                <a:solidFill>
+                  <a:schemeClr val="tx2"/>
+                </a:solidFill>
+                <a:latin typeface="+mn-lt"/>
+                <a:ea typeface="+mn-ea"/>
+                <a:cs typeface="+mn-cs"/>
+              </a:defRPr>
+            </a:lvl2pPr>
+            <a:lvl3pPr marL="1371600" indent="-384048" algn="l" defTabSz="914400" rtl="0" eaLnBrk="1" latinLnBrk="0" hangingPunct="1">
+              <a:lnSpc>
+                <a:spcPct val="94000"/>
+              </a:lnSpc>
+              <a:spcBef>
+                <a:spcPts val="500"/>
+              </a:spcBef>
+              <a:spcAft>
+                <a:spcPts val="200"/>
+              </a:spcAft>
+              <a:buFont typeface="Franklin Gothic Book" panose="020B0503020102020204" pitchFamily="34" charset="0"/>
+              <a:buChar char="■"/>
+              <a:defRPr sz="1800" kern="1200" baseline="0">
+                <a:solidFill>
+                  <a:schemeClr val="tx2"/>
+                </a:solidFill>
+                <a:latin typeface="+mn-lt"/>
+                <a:ea typeface="+mn-ea"/>
+                <a:cs typeface="+mn-cs"/>
+              </a:defRPr>
+            </a:lvl3pPr>
+            <a:lvl4pPr marL="1828800" indent="-384048" algn="l" defTabSz="914400" rtl="0" eaLnBrk="1" latinLnBrk="0" hangingPunct="1">
+              <a:lnSpc>
+                <a:spcPct val="94000"/>
+              </a:lnSpc>
+              <a:spcBef>
+                <a:spcPts val="500"/>
+              </a:spcBef>
+              <a:spcAft>
+                <a:spcPts val="200"/>
+              </a:spcAft>
+              <a:buFont typeface="Franklin Gothic Book" panose="020B0503020102020204" pitchFamily="34" charset="0"/>
+              <a:buChar char="–"/>
+              <a:defRPr sz="1800" i="1" kern="1200" baseline="0">
+                <a:solidFill>
+                  <a:schemeClr val="tx2"/>
+                </a:solidFill>
+                <a:latin typeface="+mn-lt"/>
+                <a:ea typeface="+mn-ea"/>
+                <a:cs typeface="+mn-cs"/>
+              </a:defRPr>
+            </a:lvl4pPr>
+            <a:lvl5pPr marL="2286000" indent="-384048" algn="l" defTabSz="914400" rtl="0" eaLnBrk="1" latinLnBrk="0" hangingPunct="1">
+              <a:lnSpc>
+                <a:spcPct val="94000"/>
+              </a:lnSpc>
+              <a:spcBef>
+                <a:spcPts val="500"/>
+              </a:spcBef>
+              <a:spcAft>
+                <a:spcPts val="200"/>
+              </a:spcAft>
+              <a:buFont typeface="Franklin Gothic Book" panose="020B0503020102020204" pitchFamily="34" charset="0"/>
+              <a:buChar char="■"/>
+              <a:defRPr sz="1600" kern="1200" baseline="0">
+                <a:solidFill>
+                  <a:schemeClr val="tx2"/>
+                </a:solidFill>
+                <a:latin typeface="+mn-lt"/>
+                <a:ea typeface="+mn-ea"/>
+                <a:cs typeface="+mn-cs"/>
+              </a:defRPr>
+            </a:lvl5pPr>
+            <a:lvl6pPr marL="2743200" indent="-384048" algn="l" defTabSz="914400" rtl="0" eaLnBrk="1" latinLnBrk="0" hangingPunct="1">
+              <a:lnSpc>
+                <a:spcPct val="94000"/>
+              </a:lnSpc>
+              <a:spcBef>
+                <a:spcPts val="500"/>
+              </a:spcBef>
+              <a:spcAft>
+                <a:spcPts val="200"/>
+              </a:spcAft>
+              <a:buFont typeface="Franklin Gothic Book" panose="020B0503020102020204" pitchFamily="34" charset="0"/>
+              <a:buChar char="–"/>
+              <a:defRPr sz="1600" i="1" kern="1200" baseline="0">
+                <a:solidFill>
+                  <a:schemeClr val="tx2"/>
+                </a:solidFill>
+                <a:latin typeface="+mn-lt"/>
+                <a:ea typeface="+mn-ea"/>
+                <a:cs typeface="+mn-cs"/>
+              </a:defRPr>
+            </a:lvl6pPr>
+            <a:lvl7pPr marL="3200400" indent="-384048" algn="l" defTabSz="914400" rtl="0" eaLnBrk="1" latinLnBrk="0" hangingPunct="1">
+              <a:lnSpc>
+                <a:spcPct val="94000"/>
+              </a:lnSpc>
+              <a:spcBef>
+                <a:spcPts val="500"/>
+              </a:spcBef>
+              <a:spcAft>
+                <a:spcPts val="200"/>
+              </a:spcAft>
+              <a:buFont typeface="Franklin Gothic Book" panose="020B0503020102020204" pitchFamily="34" charset="0"/>
+              <a:buChar char="■"/>
+              <a:defRPr sz="1400" kern="1200" baseline="0">
+                <a:solidFill>
+                  <a:schemeClr val="tx2"/>
+                </a:solidFill>
+                <a:latin typeface="+mn-lt"/>
+                <a:ea typeface="+mn-ea"/>
+                <a:cs typeface="+mn-cs"/>
+              </a:defRPr>
+            </a:lvl7pPr>
+            <a:lvl8pPr marL="3657600" indent="-384048" algn="l" defTabSz="914400" rtl="0" eaLnBrk="1" latinLnBrk="0" hangingPunct="1">
+              <a:lnSpc>
+                <a:spcPct val="94000"/>
+              </a:lnSpc>
+              <a:spcBef>
+                <a:spcPts val="500"/>
+              </a:spcBef>
+              <a:spcAft>
+                <a:spcPts val="200"/>
+              </a:spcAft>
+              <a:buFont typeface="Franklin Gothic Book" panose="020B0503020102020204" pitchFamily="34" charset="0"/>
+              <a:buChar char="–"/>
+              <a:defRPr sz="1400" i="1" kern="1200" baseline="0">
+                <a:solidFill>
+                  <a:schemeClr val="tx2"/>
+                </a:solidFill>
+                <a:latin typeface="+mn-lt"/>
+                <a:ea typeface="+mn-ea"/>
+                <a:cs typeface="+mn-cs"/>
+              </a:defRPr>
+            </a:lvl8pPr>
+            <a:lvl9pPr marL="4114800" indent="-384048" algn="l" defTabSz="914400" rtl="0" eaLnBrk="1" latinLnBrk="0" hangingPunct="1">
+              <a:lnSpc>
+                <a:spcPct val="94000"/>
+              </a:lnSpc>
+              <a:spcBef>
+                <a:spcPts val="500"/>
+              </a:spcBef>
+              <a:spcAft>
+                <a:spcPts val="200"/>
+              </a:spcAft>
+              <a:buFont typeface="Franklin Gothic Book" panose="020B0503020102020204" pitchFamily="34" charset="0"/>
+              <a:buChar char="■"/>
+              <a:defRPr sz="1400" kern="1200" baseline="0">
+                <a:solidFill>
+                  <a:schemeClr val="tx2"/>
+                </a:solidFill>
+                <a:latin typeface="+mn-lt"/>
+                <a:ea typeface="+mn-ea"/>
+                <a:cs typeface="+mn-cs"/>
+              </a:defRPr>
+            </a:lvl9pPr>
+          </a:lstStyle>
+          <a:p>
+            <a:pPr marL="0" indent="0" algn="ctr">
+              <a:buFont typeface="Franklin Gothic Book" panose="020B0503020102020204" pitchFamily="34" charset="0"/>
+              <a:buNone/>
+            </a:pPr>
+            <a:r>
+              <a:rPr lang="pt-BR" sz="2700" dirty="0" err="1" smtClean="0">
+                <a:latin typeface="Arial Rounded MT Bold" charset="0"/>
+                <a:ea typeface="Arial Rounded MT Bold" charset="0"/>
+                <a:cs typeface="Arial Rounded MT Bold" charset="0"/>
+              </a:rPr>
+              <a:t>b</a:t>
+            </a:r>
+            <a:r>
+              <a:rPr lang="pt-BR" sz="2700" dirty="0" smtClean="0">
+                <a:latin typeface="Arial Rounded MT Bold" charset="0"/>
+                <a:ea typeface="Arial Rounded MT Bold" charset="0"/>
+                <a:cs typeface="Arial Rounded MT Bold" charset="0"/>
+              </a:rPr>
+              <a:t>, </a:t>
+            </a:r>
+            <a:r>
+              <a:rPr lang="pt-BR" sz="2700" dirty="0" err="1" smtClean="0">
+                <a:latin typeface="Arial Rounded MT Bold" charset="0"/>
+                <a:ea typeface="Arial Rounded MT Bold" charset="0"/>
+                <a:cs typeface="Arial Rounded MT Bold" charset="0"/>
+              </a:rPr>
+              <a:t>i</a:t>
+            </a:r>
+            <a:r>
+              <a:rPr lang="pt-BR" sz="2700" dirty="0" smtClean="0">
+                <a:latin typeface="Arial Rounded MT Bold" charset="0"/>
+                <a:ea typeface="Arial Rounded MT Bold" charset="0"/>
+                <a:cs typeface="Arial Rounded MT Bold" charset="0"/>
+              </a:rPr>
+              <a:t>, a, </a:t>
+            </a:r>
+            <a:r>
+              <a:rPr lang="pt-BR" sz="2700" dirty="0" err="1" smtClean="0">
+                <a:latin typeface="Arial Rounded MT Bold" charset="0"/>
+                <a:ea typeface="Arial Rounded MT Bold" charset="0"/>
+                <a:cs typeface="Arial Rounded MT Bold" charset="0"/>
+              </a:rPr>
+              <a:t>address</a:t>
+            </a:r>
+            <a:r>
+              <a:rPr lang="pt-BR" sz="2700" dirty="0" smtClean="0">
+                <a:latin typeface="Arial Rounded MT Bold" charset="0"/>
+                <a:ea typeface="Arial Rounded MT Bold" charset="0"/>
+                <a:cs typeface="Arial Rounded MT Bold" charset="0"/>
+              </a:rPr>
+              <a:t>, </a:t>
+            </a:r>
+            <a:r>
+              <a:rPr lang="pt-BR" sz="2700" dirty="0" err="1" smtClean="0">
+                <a:latin typeface="Arial Rounded MT Bold" charset="0"/>
+                <a:ea typeface="Arial Rounded MT Bold" charset="0"/>
+                <a:cs typeface="Arial Rounded MT Bold" charset="0"/>
+              </a:rPr>
+              <a:t>hr</a:t>
+            </a:r>
+            <a:r>
+              <a:rPr lang="pt-BR" sz="2700" dirty="0" smtClean="0">
+                <a:latin typeface="Arial Rounded MT Bold" charset="0"/>
+                <a:ea typeface="Arial Rounded MT Bold" charset="0"/>
+                <a:cs typeface="Arial Rounded MT Bold" charset="0"/>
+              </a:rPr>
+              <a:t>, </a:t>
+            </a:r>
+            <a:r>
+              <a:rPr lang="pt-BR" sz="2700" dirty="0" err="1" smtClean="0">
+                <a:latin typeface="Arial Rounded MT Bold" charset="0"/>
+                <a:ea typeface="Arial Rounded MT Bold" charset="0"/>
+                <a:cs typeface="Arial Rounded MT Bold" charset="0"/>
+              </a:rPr>
+              <a:t>strong</a:t>
+            </a:r>
+            <a:r>
+              <a:rPr lang="pt-BR" sz="2700" dirty="0" smtClean="0">
+                <a:latin typeface="Arial Rounded MT Bold" charset="0"/>
+                <a:ea typeface="Arial Rounded MT Bold" charset="0"/>
+                <a:cs typeface="Arial Rounded MT Bold" charset="0"/>
+              </a:rPr>
+              <a:t>, </a:t>
+            </a:r>
+            <a:r>
+              <a:rPr lang="pt-BR" sz="2700" dirty="0" err="1" smtClean="0">
+                <a:latin typeface="Arial Rounded MT Bold" charset="0"/>
+                <a:ea typeface="Arial Rounded MT Bold" charset="0"/>
+                <a:cs typeface="Arial Rounded MT Bold" charset="0"/>
+              </a:rPr>
+              <a:t>head</a:t>
+            </a:r>
+            <a:endParaRPr lang="pt-BR" sz="2700" dirty="0">
+              <a:latin typeface="Arial Rounded MT Bold" charset="0"/>
+              <a:ea typeface="Arial Rounded MT Bold" charset="0"/>
+              <a:cs typeface="Arial Rounded MT Bold" charset="0"/>
+            </a:endParaRPr>
+          </a:p>
+        </p:txBody>
+      </p:sp>
+      <p:sp>
+        <p:nvSpPr>
+          <p:cNvPr id="5" name="Espaço Reservado para Conteúdo 2"/>
+          <p:cNvSpPr txBox="1">
+            <a:spLocks/>
+          </p:cNvSpPr>
+          <p:nvPr/>
+        </p:nvSpPr>
+        <p:spPr>
+          <a:xfrm>
+            <a:off x="1371600" y="3821986"/>
+            <a:ext cx="9601200" cy="703780"/>
+          </a:xfrm>
+          <a:prstGeom prst="rect">
+            <a:avLst/>
+          </a:prstGeom>
+        </p:spPr>
+        <p:txBody>
+          <a:bodyPr vert="horz" lIns="91440" tIns="45720" rIns="91440" bIns="45720" rtlCol="0">
+            <a:normAutofit/>
+          </a:bodyPr>
+          <a:lstStyle>
+            <a:lvl1pPr marL="384048" indent="-384048" algn="l" defTabSz="914400" rtl="0" eaLnBrk="1" latinLnBrk="0" hangingPunct="1">
+              <a:lnSpc>
+                <a:spcPct val="94000"/>
+              </a:lnSpc>
+              <a:spcBef>
+                <a:spcPts val="1000"/>
+              </a:spcBef>
+              <a:spcAft>
+                <a:spcPts val="200"/>
+              </a:spcAft>
+              <a:buFont typeface="Franklin Gothic Book" panose="020B0503020102020204" pitchFamily="34" charset="0"/>
+              <a:buChar char="■"/>
+              <a:defRPr sz="2000" kern="1200" baseline="0">
+                <a:solidFill>
+                  <a:schemeClr val="tx2"/>
+                </a:solidFill>
+                <a:latin typeface="+mn-lt"/>
+                <a:ea typeface="+mn-ea"/>
+                <a:cs typeface="+mn-cs"/>
+              </a:defRPr>
+            </a:lvl1pPr>
+            <a:lvl2pPr marL="914400" indent="-384048" algn="l" defTabSz="914400" rtl="0" eaLnBrk="1" latinLnBrk="0" hangingPunct="1">
+              <a:lnSpc>
+                <a:spcPct val="94000"/>
+              </a:lnSpc>
+              <a:spcBef>
+                <a:spcPts val="500"/>
+              </a:spcBef>
+              <a:spcAft>
+                <a:spcPts val="200"/>
+              </a:spcAft>
+              <a:buFont typeface="Franklin Gothic Book" panose="020B0503020102020204" pitchFamily="34" charset="0"/>
+              <a:buChar char="–"/>
+              <a:defRPr sz="2000" i="1" kern="1200" baseline="0">
+                <a:solidFill>
+                  <a:schemeClr val="tx2"/>
+                </a:solidFill>
+                <a:latin typeface="+mn-lt"/>
+                <a:ea typeface="+mn-ea"/>
+                <a:cs typeface="+mn-cs"/>
+              </a:defRPr>
+            </a:lvl2pPr>
+            <a:lvl3pPr marL="1371600" indent="-384048" algn="l" defTabSz="914400" rtl="0" eaLnBrk="1" latinLnBrk="0" hangingPunct="1">
+              <a:lnSpc>
+                <a:spcPct val="94000"/>
+              </a:lnSpc>
+              <a:spcBef>
+                <a:spcPts val="500"/>
+              </a:spcBef>
+              <a:spcAft>
+                <a:spcPts val="200"/>
+              </a:spcAft>
+              <a:buFont typeface="Franklin Gothic Book" panose="020B0503020102020204" pitchFamily="34" charset="0"/>
+              <a:buChar char="■"/>
+              <a:defRPr sz="1800" kern="1200" baseline="0">
+                <a:solidFill>
+                  <a:schemeClr val="tx2"/>
+                </a:solidFill>
+                <a:latin typeface="+mn-lt"/>
+                <a:ea typeface="+mn-ea"/>
+                <a:cs typeface="+mn-cs"/>
+              </a:defRPr>
+            </a:lvl3pPr>
+            <a:lvl4pPr marL="1828800" indent="-384048" algn="l" defTabSz="914400" rtl="0" eaLnBrk="1" latinLnBrk="0" hangingPunct="1">
+              <a:lnSpc>
+                <a:spcPct val="94000"/>
+              </a:lnSpc>
+              <a:spcBef>
+                <a:spcPts val="500"/>
+              </a:spcBef>
+              <a:spcAft>
+                <a:spcPts val="200"/>
+              </a:spcAft>
+              <a:buFont typeface="Franklin Gothic Book" panose="020B0503020102020204" pitchFamily="34" charset="0"/>
+              <a:buChar char="–"/>
+              <a:defRPr sz="1800" i="1" kern="1200" baseline="0">
+                <a:solidFill>
+                  <a:schemeClr val="tx2"/>
+                </a:solidFill>
+                <a:latin typeface="+mn-lt"/>
+                <a:ea typeface="+mn-ea"/>
+                <a:cs typeface="+mn-cs"/>
+              </a:defRPr>
+            </a:lvl4pPr>
+            <a:lvl5pPr marL="2286000" indent="-384048" algn="l" defTabSz="914400" rtl="0" eaLnBrk="1" latinLnBrk="0" hangingPunct="1">
+              <a:lnSpc>
+                <a:spcPct val="94000"/>
+              </a:lnSpc>
+              <a:spcBef>
+                <a:spcPts val="500"/>
+              </a:spcBef>
+              <a:spcAft>
+                <a:spcPts val="200"/>
+              </a:spcAft>
+              <a:buFont typeface="Franklin Gothic Book" panose="020B0503020102020204" pitchFamily="34" charset="0"/>
+              <a:buChar char="■"/>
+              <a:defRPr sz="1600" kern="1200" baseline="0">
+                <a:solidFill>
+                  <a:schemeClr val="tx2"/>
+                </a:solidFill>
+                <a:latin typeface="+mn-lt"/>
+                <a:ea typeface="+mn-ea"/>
+                <a:cs typeface="+mn-cs"/>
+              </a:defRPr>
+            </a:lvl5pPr>
+            <a:lvl6pPr marL="2743200" indent="-384048" algn="l" defTabSz="914400" rtl="0" eaLnBrk="1" latinLnBrk="0" hangingPunct="1">
+              <a:lnSpc>
+                <a:spcPct val="94000"/>
+              </a:lnSpc>
+              <a:spcBef>
+                <a:spcPts val="500"/>
+              </a:spcBef>
+              <a:spcAft>
+                <a:spcPts val="200"/>
+              </a:spcAft>
+              <a:buFont typeface="Franklin Gothic Book" panose="020B0503020102020204" pitchFamily="34" charset="0"/>
+              <a:buChar char="–"/>
+              <a:defRPr sz="1600" i="1" kern="1200" baseline="0">
+                <a:solidFill>
+                  <a:schemeClr val="tx2"/>
+                </a:solidFill>
+                <a:latin typeface="+mn-lt"/>
+                <a:ea typeface="+mn-ea"/>
+                <a:cs typeface="+mn-cs"/>
+              </a:defRPr>
+            </a:lvl6pPr>
+            <a:lvl7pPr marL="3200400" indent="-384048" algn="l" defTabSz="914400" rtl="0" eaLnBrk="1" latinLnBrk="0" hangingPunct="1">
+              <a:lnSpc>
+                <a:spcPct val="94000"/>
+              </a:lnSpc>
+              <a:spcBef>
+                <a:spcPts val="500"/>
+              </a:spcBef>
+              <a:spcAft>
+                <a:spcPts val="200"/>
+              </a:spcAft>
+              <a:buFont typeface="Franklin Gothic Book" panose="020B0503020102020204" pitchFamily="34" charset="0"/>
+              <a:buChar char="■"/>
+              <a:defRPr sz="1400" kern="1200" baseline="0">
+                <a:solidFill>
+                  <a:schemeClr val="tx2"/>
+                </a:solidFill>
+                <a:latin typeface="+mn-lt"/>
+                <a:ea typeface="+mn-ea"/>
+                <a:cs typeface="+mn-cs"/>
+              </a:defRPr>
+            </a:lvl7pPr>
+            <a:lvl8pPr marL="3657600" indent="-384048" algn="l" defTabSz="914400" rtl="0" eaLnBrk="1" latinLnBrk="0" hangingPunct="1">
+              <a:lnSpc>
+                <a:spcPct val="94000"/>
+              </a:lnSpc>
+              <a:spcBef>
+                <a:spcPts val="500"/>
+              </a:spcBef>
+              <a:spcAft>
+                <a:spcPts val="200"/>
+              </a:spcAft>
+              <a:buFont typeface="Franklin Gothic Book" panose="020B0503020102020204" pitchFamily="34" charset="0"/>
+              <a:buChar char="–"/>
+              <a:defRPr sz="1400" i="1" kern="1200" baseline="0">
+                <a:solidFill>
+                  <a:schemeClr val="tx2"/>
+                </a:solidFill>
+                <a:latin typeface="+mn-lt"/>
+                <a:ea typeface="+mn-ea"/>
+                <a:cs typeface="+mn-cs"/>
+              </a:defRPr>
+            </a:lvl8pPr>
+            <a:lvl9pPr marL="4114800" indent="-384048" algn="l" defTabSz="914400" rtl="0" eaLnBrk="1" latinLnBrk="0" hangingPunct="1">
+              <a:lnSpc>
+                <a:spcPct val="94000"/>
+              </a:lnSpc>
+              <a:spcBef>
+                <a:spcPts val="500"/>
+              </a:spcBef>
+              <a:spcAft>
+                <a:spcPts val="200"/>
+              </a:spcAft>
+              <a:buFont typeface="Franklin Gothic Book" panose="020B0503020102020204" pitchFamily="34" charset="0"/>
+              <a:buChar char="■"/>
+              <a:defRPr sz="1400" kern="1200" baseline="0">
+                <a:solidFill>
+                  <a:schemeClr val="tx2"/>
+                </a:solidFill>
+                <a:latin typeface="+mn-lt"/>
+                <a:ea typeface="+mn-ea"/>
+                <a:cs typeface="+mn-cs"/>
+              </a:defRPr>
+            </a:lvl9pPr>
+          </a:lstStyle>
+          <a:p>
+            <a:pPr marL="0" indent="0" algn="ctr">
+              <a:buFont typeface="Franklin Gothic Book" panose="020B0503020102020204" pitchFamily="34" charset="0"/>
+              <a:buNone/>
+            </a:pPr>
+            <a:r>
+              <a:rPr lang="pt-BR" sz="3500" dirty="0" smtClean="0">
+                <a:latin typeface="Arial Rounded MT Bold" charset="0"/>
+                <a:ea typeface="Arial Rounded MT Bold" charset="0"/>
+                <a:cs typeface="Arial Rounded MT Bold" charset="0"/>
+              </a:rPr>
+              <a:t>Tipos de campos</a:t>
+            </a:r>
+            <a:endParaRPr lang="pt-BR" sz="3500" dirty="0">
+              <a:latin typeface="Arial Rounded MT Bold" charset="0"/>
+              <a:ea typeface="Arial Rounded MT Bold" charset="0"/>
+              <a:cs typeface="Arial Rounded MT Bold" charset="0"/>
+            </a:endParaRPr>
+          </a:p>
+        </p:txBody>
+      </p:sp>
+      <p:sp>
+        <p:nvSpPr>
+          <p:cNvPr id="6" name="Espaço Reservado para Conteúdo 2"/>
+          <p:cNvSpPr txBox="1">
+            <a:spLocks/>
+          </p:cNvSpPr>
+          <p:nvPr/>
+        </p:nvSpPr>
+        <p:spPr>
+          <a:xfrm>
+            <a:off x="1371600" y="4525766"/>
+            <a:ext cx="9601200" cy="559942"/>
+          </a:xfrm>
+          <a:prstGeom prst="rect">
+            <a:avLst/>
+          </a:prstGeom>
+        </p:spPr>
+        <p:txBody>
+          <a:bodyPr vert="horz" lIns="91440" tIns="45720" rIns="91440" bIns="45720" rtlCol="0">
+            <a:noAutofit/>
+          </a:bodyPr>
+          <a:lstStyle>
+            <a:lvl1pPr marL="384048" indent="-384048" algn="l" defTabSz="914400" rtl="0" eaLnBrk="1" latinLnBrk="0" hangingPunct="1">
+              <a:lnSpc>
+                <a:spcPct val="94000"/>
+              </a:lnSpc>
+              <a:spcBef>
+                <a:spcPts val="1000"/>
+              </a:spcBef>
+              <a:spcAft>
+                <a:spcPts val="200"/>
+              </a:spcAft>
+              <a:buFont typeface="Franklin Gothic Book" panose="020B0503020102020204" pitchFamily="34" charset="0"/>
+              <a:buChar char="■"/>
+              <a:defRPr sz="2000" kern="1200" baseline="0">
+                <a:solidFill>
+                  <a:schemeClr val="tx2"/>
+                </a:solidFill>
+                <a:latin typeface="+mn-lt"/>
+                <a:ea typeface="+mn-ea"/>
+                <a:cs typeface="+mn-cs"/>
+              </a:defRPr>
+            </a:lvl1pPr>
+            <a:lvl2pPr marL="914400" indent="-384048" algn="l" defTabSz="914400" rtl="0" eaLnBrk="1" latinLnBrk="0" hangingPunct="1">
+              <a:lnSpc>
+                <a:spcPct val="94000"/>
+              </a:lnSpc>
+              <a:spcBef>
+                <a:spcPts val="500"/>
+              </a:spcBef>
+              <a:spcAft>
+                <a:spcPts val="200"/>
+              </a:spcAft>
+              <a:buFont typeface="Franklin Gothic Book" panose="020B0503020102020204" pitchFamily="34" charset="0"/>
+              <a:buChar char="–"/>
+              <a:defRPr sz="2000" i="1" kern="1200" baseline="0">
+                <a:solidFill>
+                  <a:schemeClr val="tx2"/>
+                </a:solidFill>
+                <a:latin typeface="+mn-lt"/>
+                <a:ea typeface="+mn-ea"/>
+                <a:cs typeface="+mn-cs"/>
+              </a:defRPr>
+            </a:lvl2pPr>
+            <a:lvl3pPr marL="1371600" indent="-384048" algn="l" defTabSz="914400" rtl="0" eaLnBrk="1" latinLnBrk="0" hangingPunct="1">
+              <a:lnSpc>
+                <a:spcPct val="94000"/>
+              </a:lnSpc>
+              <a:spcBef>
+                <a:spcPts val="500"/>
+              </a:spcBef>
+              <a:spcAft>
+                <a:spcPts val="200"/>
+              </a:spcAft>
+              <a:buFont typeface="Franklin Gothic Book" panose="020B0503020102020204" pitchFamily="34" charset="0"/>
+              <a:buChar char="■"/>
+              <a:defRPr sz="1800" kern="1200" baseline="0">
+                <a:solidFill>
+                  <a:schemeClr val="tx2"/>
+                </a:solidFill>
+                <a:latin typeface="+mn-lt"/>
+                <a:ea typeface="+mn-ea"/>
+                <a:cs typeface="+mn-cs"/>
+              </a:defRPr>
+            </a:lvl3pPr>
+            <a:lvl4pPr marL="1828800" indent="-384048" algn="l" defTabSz="914400" rtl="0" eaLnBrk="1" latinLnBrk="0" hangingPunct="1">
+              <a:lnSpc>
+                <a:spcPct val="94000"/>
+              </a:lnSpc>
+              <a:spcBef>
+                <a:spcPts val="500"/>
+              </a:spcBef>
+              <a:spcAft>
+                <a:spcPts val="200"/>
+              </a:spcAft>
+              <a:buFont typeface="Franklin Gothic Book" panose="020B0503020102020204" pitchFamily="34" charset="0"/>
+              <a:buChar char="–"/>
+              <a:defRPr sz="1800" i="1" kern="1200" baseline="0">
+                <a:solidFill>
+                  <a:schemeClr val="tx2"/>
+                </a:solidFill>
+                <a:latin typeface="+mn-lt"/>
+                <a:ea typeface="+mn-ea"/>
+                <a:cs typeface="+mn-cs"/>
+              </a:defRPr>
+            </a:lvl4pPr>
+            <a:lvl5pPr marL="2286000" indent="-384048" algn="l" defTabSz="914400" rtl="0" eaLnBrk="1" latinLnBrk="0" hangingPunct="1">
+              <a:lnSpc>
+                <a:spcPct val="94000"/>
+              </a:lnSpc>
+              <a:spcBef>
+                <a:spcPts val="500"/>
+              </a:spcBef>
+              <a:spcAft>
+                <a:spcPts val="200"/>
+              </a:spcAft>
+              <a:buFont typeface="Franklin Gothic Book" panose="020B0503020102020204" pitchFamily="34" charset="0"/>
+              <a:buChar char="■"/>
+              <a:defRPr sz="1600" kern="1200" baseline="0">
+                <a:solidFill>
+                  <a:schemeClr val="tx2"/>
+                </a:solidFill>
+                <a:latin typeface="+mn-lt"/>
+                <a:ea typeface="+mn-ea"/>
+                <a:cs typeface="+mn-cs"/>
+              </a:defRPr>
+            </a:lvl5pPr>
+            <a:lvl6pPr marL="2743200" indent="-384048" algn="l" defTabSz="914400" rtl="0" eaLnBrk="1" latinLnBrk="0" hangingPunct="1">
+              <a:lnSpc>
+                <a:spcPct val="94000"/>
+              </a:lnSpc>
+              <a:spcBef>
+                <a:spcPts val="500"/>
+              </a:spcBef>
+              <a:spcAft>
+                <a:spcPts val="200"/>
+              </a:spcAft>
+              <a:buFont typeface="Franklin Gothic Book" panose="020B0503020102020204" pitchFamily="34" charset="0"/>
+              <a:buChar char="–"/>
+              <a:defRPr sz="1600" i="1" kern="1200" baseline="0">
+                <a:solidFill>
+                  <a:schemeClr val="tx2"/>
+                </a:solidFill>
+                <a:latin typeface="+mn-lt"/>
+                <a:ea typeface="+mn-ea"/>
+                <a:cs typeface="+mn-cs"/>
+              </a:defRPr>
+            </a:lvl6pPr>
+            <a:lvl7pPr marL="3200400" indent="-384048" algn="l" defTabSz="914400" rtl="0" eaLnBrk="1" latinLnBrk="0" hangingPunct="1">
+              <a:lnSpc>
+                <a:spcPct val="94000"/>
+              </a:lnSpc>
+              <a:spcBef>
+                <a:spcPts val="500"/>
+              </a:spcBef>
+              <a:spcAft>
+                <a:spcPts val="200"/>
+              </a:spcAft>
+              <a:buFont typeface="Franklin Gothic Book" panose="020B0503020102020204" pitchFamily="34" charset="0"/>
+              <a:buChar char="■"/>
+              <a:defRPr sz="1400" kern="1200" baseline="0">
+                <a:solidFill>
+                  <a:schemeClr val="tx2"/>
+                </a:solidFill>
+                <a:latin typeface="+mn-lt"/>
+                <a:ea typeface="+mn-ea"/>
+                <a:cs typeface="+mn-cs"/>
+              </a:defRPr>
+            </a:lvl7pPr>
+            <a:lvl8pPr marL="3657600" indent="-384048" algn="l" defTabSz="914400" rtl="0" eaLnBrk="1" latinLnBrk="0" hangingPunct="1">
+              <a:lnSpc>
+                <a:spcPct val="94000"/>
+              </a:lnSpc>
+              <a:spcBef>
+                <a:spcPts val="500"/>
+              </a:spcBef>
+              <a:spcAft>
+                <a:spcPts val="200"/>
+              </a:spcAft>
+              <a:buFont typeface="Franklin Gothic Book" panose="020B0503020102020204" pitchFamily="34" charset="0"/>
+              <a:buChar char="–"/>
+              <a:defRPr sz="1400" i="1" kern="1200" baseline="0">
+                <a:solidFill>
+                  <a:schemeClr val="tx2"/>
+                </a:solidFill>
+                <a:latin typeface="+mn-lt"/>
+                <a:ea typeface="+mn-ea"/>
+                <a:cs typeface="+mn-cs"/>
+              </a:defRPr>
+            </a:lvl8pPr>
+            <a:lvl9pPr marL="4114800" indent="-384048" algn="l" defTabSz="914400" rtl="0" eaLnBrk="1" latinLnBrk="0" hangingPunct="1">
+              <a:lnSpc>
+                <a:spcPct val="94000"/>
+              </a:lnSpc>
+              <a:spcBef>
+                <a:spcPts val="500"/>
+              </a:spcBef>
+              <a:spcAft>
+                <a:spcPts val="200"/>
+              </a:spcAft>
+              <a:buFont typeface="Franklin Gothic Book" panose="020B0503020102020204" pitchFamily="34" charset="0"/>
+              <a:buChar char="■"/>
+              <a:defRPr sz="1400" kern="1200" baseline="0">
+                <a:solidFill>
+                  <a:schemeClr val="tx2"/>
+                </a:solidFill>
+                <a:latin typeface="+mn-lt"/>
+                <a:ea typeface="+mn-ea"/>
+                <a:cs typeface="+mn-cs"/>
+              </a:defRPr>
+            </a:lvl9pPr>
+          </a:lstStyle>
+          <a:p>
+            <a:pPr marL="0" indent="0" algn="ctr">
+              <a:buFont typeface="Franklin Gothic Book" panose="020B0503020102020204" pitchFamily="34" charset="0"/>
+              <a:buNone/>
+            </a:pPr>
+            <a:r>
+              <a:rPr lang="pt-BR" sz="2700" dirty="0" err="1" smtClean="0">
+                <a:latin typeface="Arial Rounded MT Bold" charset="0"/>
+                <a:ea typeface="Arial Rounded MT Bold" charset="0"/>
+                <a:cs typeface="Arial Rounded MT Bold" charset="0"/>
+              </a:rPr>
+              <a:t>tel</a:t>
+            </a:r>
+            <a:r>
+              <a:rPr lang="pt-BR" sz="2700" dirty="0" smtClean="0">
+                <a:latin typeface="Arial Rounded MT Bold" charset="0"/>
+                <a:ea typeface="Arial Rounded MT Bold" charset="0"/>
+                <a:cs typeface="Arial Rounded MT Bold" charset="0"/>
+              </a:rPr>
+              <a:t>, </a:t>
+            </a:r>
+            <a:r>
+              <a:rPr lang="pt-BR" sz="2700" dirty="0" err="1" smtClean="0">
+                <a:latin typeface="Arial Rounded MT Bold" charset="0"/>
+                <a:ea typeface="Arial Rounded MT Bold" charset="0"/>
+                <a:cs typeface="Arial Rounded MT Bold" charset="0"/>
+              </a:rPr>
+              <a:t>search</a:t>
+            </a:r>
+            <a:r>
+              <a:rPr lang="pt-BR" sz="2700" dirty="0" smtClean="0">
+                <a:latin typeface="Arial Rounded MT Bold" charset="0"/>
+                <a:ea typeface="Arial Rounded MT Bold" charset="0"/>
+                <a:cs typeface="Arial Rounded MT Bold" charset="0"/>
+              </a:rPr>
+              <a:t>, </a:t>
+            </a:r>
+            <a:r>
+              <a:rPr lang="pt-BR" sz="2700" dirty="0" err="1" smtClean="0">
+                <a:latin typeface="Arial Rounded MT Bold" charset="0"/>
+                <a:ea typeface="Arial Rounded MT Bold" charset="0"/>
+                <a:cs typeface="Arial Rounded MT Bold" charset="0"/>
+              </a:rPr>
+              <a:t>email</a:t>
+            </a:r>
+            <a:r>
+              <a:rPr lang="pt-BR" sz="2700" dirty="0" smtClean="0">
+                <a:latin typeface="Arial Rounded MT Bold" charset="0"/>
+                <a:ea typeface="Arial Rounded MT Bold" charset="0"/>
+                <a:cs typeface="Arial Rounded MT Bold" charset="0"/>
+              </a:rPr>
+              <a:t>, </a:t>
+            </a:r>
+            <a:r>
+              <a:rPr lang="pt-BR" sz="2700" dirty="0" err="1" smtClean="0">
+                <a:latin typeface="Arial Rounded MT Bold" charset="0"/>
+                <a:ea typeface="Arial Rounded MT Bold" charset="0"/>
+                <a:cs typeface="Arial Rounded MT Bold" charset="0"/>
+              </a:rPr>
+              <a:t>url</a:t>
+            </a:r>
+            <a:r>
+              <a:rPr lang="pt-BR" sz="2700" dirty="0" smtClean="0">
+                <a:latin typeface="Arial Rounded MT Bold" charset="0"/>
+                <a:ea typeface="Arial Rounded MT Bold" charset="0"/>
+                <a:cs typeface="Arial Rounded MT Bold" charset="0"/>
+              </a:rPr>
+              <a:t>, </a:t>
+            </a:r>
+            <a:r>
+              <a:rPr lang="pt-BR" sz="2700" dirty="0" err="1" smtClean="0">
+                <a:latin typeface="Arial Rounded MT Bold" charset="0"/>
+                <a:ea typeface="Arial Rounded MT Bold" charset="0"/>
+                <a:cs typeface="Arial Rounded MT Bold" charset="0"/>
+              </a:rPr>
+              <a:t>numberm</a:t>
+            </a:r>
+            <a:r>
+              <a:rPr lang="pt-BR" sz="2700" dirty="0" smtClean="0">
+                <a:latin typeface="Arial Rounded MT Bold" charset="0"/>
+                <a:ea typeface="Arial Rounded MT Bold" charset="0"/>
+                <a:cs typeface="Arial Rounded MT Bold" charset="0"/>
+              </a:rPr>
+              <a:t> range, color, (</a:t>
+            </a:r>
+            <a:r>
+              <a:rPr lang="pt-BR" sz="2700" dirty="0" err="1" smtClean="0">
+                <a:latin typeface="Arial Rounded MT Bold" charset="0"/>
+                <a:ea typeface="Arial Rounded MT Bold" charset="0"/>
+                <a:cs typeface="Arial Rounded MT Bold" charset="0"/>
+              </a:rPr>
+              <a:t>datetime</a:t>
+            </a:r>
+            <a:r>
+              <a:rPr lang="pt-BR" sz="2700" dirty="0" smtClean="0">
+                <a:latin typeface="Arial Rounded MT Bold" charset="0"/>
+                <a:ea typeface="Arial Rounded MT Bold" charset="0"/>
+                <a:cs typeface="Arial Rounded MT Bold" charset="0"/>
+              </a:rPr>
+              <a:t>, date, </a:t>
+            </a:r>
+            <a:r>
+              <a:rPr lang="pt-BR" sz="2700" dirty="0" err="1" smtClean="0">
+                <a:latin typeface="Arial Rounded MT Bold" charset="0"/>
+                <a:ea typeface="Arial Rounded MT Bold" charset="0"/>
+                <a:cs typeface="Arial Rounded MT Bold" charset="0"/>
+              </a:rPr>
+              <a:t>month</a:t>
+            </a:r>
+            <a:r>
+              <a:rPr lang="pt-BR" sz="2700" dirty="0" smtClean="0">
+                <a:latin typeface="Arial Rounded MT Bold" charset="0"/>
+                <a:ea typeface="Arial Rounded MT Bold" charset="0"/>
+                <a:cs typeface="Arial Rounded MT Bold" charset="0"/>
+              </a:rPr>
+              <a:t>, </a:t>
+            </a:r>
+            <a:r>
+              <a:rPr lang="pt-BR" sz="2700" dirty="0" err="1" smtClean="0">
+                <a:latin typeface="Arial Rounded MT Bold" charset="0"/>
+                <a:ea typeface="Arial Rounded MT Bold" charset="0"/>
+                <a:cs typeface="Arial Rounded MT Bold" charset="0"/>
+              </a:rPr>
+              <a:t>week</a:t>
+            </a:r>
+            <a:r>
+              <a:rPr lang="pt-BR" sz="2700" dirty="0" smtClean="0">
+                <a:latin typeface="Arial Rounded MT Bold" charset="0"/>
+                <a:ea typeface="Arial Rounded MT Bold" charset="0"/>
+                <a:cs typeface="Arial Rounded MT Bold" charset="0"/>
+              </a:rPr>
+              <a:t>, time, </a:t>
+            </a:r>
+            <a:r>
+              <a:rPr lang="pt-BR" sz="2700" dirty="0" err="1" smtClean="0">
+                <a:latin typeface="Arial Rounded MT Bold" charset="0"/>
+                <a:ea typeface="Arial Rounded MT Bold" charset="0"/>
+                <a:cs typeface="Arial Rounded MT Bold" charset="0"/>
+              </a:rPr>
+              <a:t>datatime</a:t>
+            </a:r>
+            <a:r>
+              <a:rPr lang="pt-BR" sz="2700" dirty="0" smtClean="0">
+                <a:latin typeface="Arial Rounded MT Bold" charset="0"/>
+                <a:ea typeface="Arial Rounded MT Bold" charset="0"/>
+                <a:cs typeface="Arial Rounded MT Bold" charset="0"/>
+              </a:rPr>
+              <a:t>-local)</a:t>
+            </a:r>
+            <a:endParaRPr lang="pt-BR" sz="2700" dirty="0">
+              <a:latin typeface="Arial Rounded MT Bold" charset="0"/>
+              <a:ea typeface="Arial Rounded MT Bold" charset="0"/>
+              <a:cs typeface="Arial Rounded MT Bold" charset="0"/>
+            </a:endParaRPr>
+          </a:p>
+        </p:txBody>
+      </p:sp>
+    </p:spTree>
+    <p:extLst>
+      <p:ext uri="{BB962C8B-B14F-4D97-AF65-F5344CB8AC3E}">
+        <p14:creationId xmlns:p14="http://schemas.microsoft.com/office/powerpoint/2010/main" val="702263754"/>
+      </p:ext>
+    </p:extLst>
+  </p:cSld>
+  <p:clrMapOvr>
+    <a:masterClrMapping/>
+  </p:clrMapOvr>
+</p:sld>
+</file>
+
+<file path=ppt/slides/slide7.xml><?xml version="1.0" encoding="utf-8"?>
+<p:sld xmlns:a="http://schemas.openxmlformats.org/drawingml/2006/main" xmlns:r="http://schemas.openxmlformats.org/officeDocument/2006/relationships" xmlns:p="http://schemas.openxmlformats.org/presentationml/2006/main">
+  <p:cSld>
+    <p:spTree>
+      <p:nvGrpSpPr>
+        <p:cNvPr id="1" name=""/>
+        <p:cNvGrpSpPr/>
+        <p:nvPr/>
+      </p:nvGrpSpPr>
+      <p:grpSpPr>
+        <a:xfrm>
+          <a:off x="0" y="0"/>
+          <a:ext cx="0" cy="0"/>
+          <a:chOff x="0" y="0"/>
+          <a:chExt cx="0" cy="0"/>
+        </a:xfrm>
+      </p:grpSpPr>
+      <p:sp>
+        <p:nvSpPr>
+          <p:cNvPr id="2" name="Título 1"/>
+          <p:cNvSpPr>
+            <a:spLocks noGrp="1"/>
+          </p:cNvSpPr>
+          <p:nvPr>
+            <p:ph type="title"/>
+          </p:nvPr>
+        </p:nvSpPr>
+        <p:spPr/>
+        <p:txBody>
+          <a:bodyPr/>
+          <a:lstStyle/>
+          <a:p>
+            <a:r>
+              <a:rPr lang="pt-BR" dirty="0" smtClean="0">
+                <a:latin typeface="Arial Rounded MT Bold" charset="0"/>
+                <a:ea typeface="Arial Rounded MT Bold" charset="0"/>
+                <a:cs typeface="Arial Rounded MT Bold" charset="0"/>
+              </a:rPr>
+              <a:t>HTML 5 | O que tem de novo?</a:t>
+            </a:r>
+            <a:endParaRPr lang="pt-BR" dirty="0">
+              <a:latin typeface="Arial Rounded MT Bold" charset="0"/>
+              <a:ea typeface="Arial Rounded MT Bold" charset="0"/>
+              <a:cs typeface="Arial Rounded MT Bold" charset="0"/>
+            </a:endParaRPr>
+          </a:p>
+        </p:txBody>
+      </p:sp>
+      <p:sp>
+        <p:nvSpPr>
+          <p:cNvPr id="3" name="Espaço Reservado para Conteúdo 2"/>
+          <p:cNvSpPr>
+            <a:spLocks noGrp="1"/>
+          </p:cNvSpPr>
+          <p:nvPr>
+            <p:ph idx="1"/>
+          </p:nvPr>
+        </p:nvSpPr>
+        <p:spPr>
+          <a:xfrm>
+            <a:off x="1371600" y="2171700"/>
+            <a:ext cx="9601200" cy="703780"/>
+          </a:xfrm>
+        </p:spPr>
+        <p:txBody>
+          <a:bodyPr>
+            <a:normAutofit/>
+          </a:bodyPr>
+          <a:lstStyle/>
+          <a:p>
+            <a:pPr marL="0" indent="0" algn="ctr">
+              <a:buNone/>
+            </a:pPr>
+            <a:r>
+              <a:rPr lang="pt-BR" sz="3500" dirty="0" smtClean="0">
+                <a:latin typeface="Arial Rounded MT Bold" charset="0"/>
+                <a:ea typeface="Arial Rounded MT Bold" charset="0"/>
+                <a:cs typeface="Arial Rounded MT Bold" charset="0"/>
+              </a:rPr>
+              <a:t>Validação de Formulários</a:t>
+            </a:r>
+            <a:endParaRPr lang="pt-BR" sz="3500" dirty="0">
+              <a:latin typeface="Arial Rounded MT Bold" charset="0"/>
+              <a:ea typeface="Arial Rounded MT Bold" charset="0"/>
+              <a:cs typeface="Arial Rounded MT Bold" charset="0"/>
+            </a:endParaRPr>
+          </a:p>
+        </p:txBody>
+      </p:sp>
+      <p:sp>
+        <p:nvSpPr>
+          <p:cNvPr id="4" name="Espaço Reservado para Conteúdo 2"/>
+          <p:cNvSpPr txBox="1">
+            <a:spLocks/>
+          </p:cNvSpPr>
+          <p:nvPr/>
+        </p:nvSpPr>
+        <p:spPr>
+          <a:xfrm>
+            <a:off x="1371600" y="2921712"/>
+            <a:ext cx="9601200" cy="559942"/>
+          </a:xfrm>
+          <a:prstGeom prst="rect">
+            <a:avLst/>
+          </a:prstGeom>
+        </p:spPr>
+        <p:txBody>
+          <a:bodyPr vert="horz" lIns="91440" tIns="45720" rIns="91440" bIns="45720" rtlCol="0">
+            <a:noAutofit/>
+          </a:bodyPr>
+          <a:lstStyle>
+            <a:lvl1pPr marL="384048" indent="-384048" algn="l" defTabSz="914400" rtl="0" eaLnBrk="1" latinLnBrk="0" hangingPunct="1">
+              <a:lnSpc>
+                <a:spcPct val="94000"/>
+              </a:lnSpc>
+              <a:spcBef>
+                <a:spcPts val="1000"/>
+              </a:spcBef>
+              <a:spcAft>
+                <a:spcPts val="200"/>
+              </a:spcAft>
+              <a:buFont typeface="Franklin Gothic Book" panose="020B0503020102020204" pitchFamily="34" charset="0"/>
+              <a:buChar char="■"/>
+              <a:defRPr sz="2000" kern="1200" baseline="0">
+                <a:solidFill>
+                  <a:schemeClr val="tx2"/>
+                </a:solidFill>
+                <a:latin typeface="+mn-lt"/>
+                <a:ea typeface="+mn-ea"/>
+                <a:cs typeface="+mn-cs"/>
+              </a:defRPr>
+            </a:lvl1pPr>
+            <a:lvl2pPr marL="914400" indent="-384048" algn="l" defTabSz="914400" rtl="0" eaLnBrk="1" latinLnBrk="0" hangingPunct="1">
+              <a:lnSpc>
+                <a:spcPct val="94000"/>
+              </a:lnSpc>
+              <a:spcBef>
+                <a:spcPts val="500"/>
+              </a:spcBef>
+              <a:spcAft>
+                <a:spcPts val="200"/>
+              </a:spcAft>
+              <a:buFont typeface="Franklin Gothic Book" panose="020B0503020102020204" pitchFamily="34" charset="0"/>
+              <a:buChar char="–"/>
+              <a:defRPr sz="2000" i="1" kern="1200" baseline="0">
+                <a:solidFill>
+                  <a:schemeClr val="tx2"/>
+                </a:solidFill>
+                <a:latin typeface="+mn-lt"/>
+                <a:ea typeface="+mn-ea"/>
+                <a:cs typeface="+mn-cs"/>
+              </a:defRPr>
+            </a:lvl2pPr>
+            <a:lvl3pPr marL="1371600" indent="-384048" algn="l" defTabSz="914400" rtl="0" eaLnBrk="1" latinLnBrk="0" hangingPunct="1">
+              <a:lnSpc>
+                <a:spcPct val="94000"/>
+              </a:lnSpc>
+              <a:spcBef>
+                <a:spcPts val="500"/>
+              </a:spcBef>
+              <a:spcAft>
+                <a:spcPts val="200"/>
+              </a:spcAft>
+              <a:buFont typeface="Franklin Gothic Book" panose="020B0503020102020204" pitchFamily="34" charset="0"/>
+              <a:buChar char="■"/>
+              <a:defRPr sz="1800" kern="1200" baseline="0">
+                <a:solidFill>
+                  <a:schemeClr val="tx2"/>
+                </a:solidFill>
+                <a:latin typeface="+mn-lt"/>
+                <a:ea typeface="+mn-ea"/>
+                <a:cs typeface="+mn-cs"/>
+              </a:defRPr>
+            </a:lvl3pPr>
+            <a:lvl4pPr marL="1828800" indent="-384048" algn="l" defTabSz="914400" rtl="0" eaLnBrk="1" latinLnBrk="0" hangingPunct="1">
+              <a:lnSpc>
+                <a:spcPct val="94000"/>
+              </a:lnSpc>
+              <a:spcBef>
+                <a:spcPts val="500"/>
+              </a:spcBef>
+              <a:spcAft>
+                <a:spcPts val="200"/>
+              </a:spcAft>
+              <a:buFont typeface="Franklin Gothic Book" panose="020B0503020102020204" pitchFamily="34" charset="0"/>
+              <a:buChar char="–"/>
+              <a:defRPr sz="1800" i="1" kern="1200" baseline="0">
+                <a:solidFill>
+                  <a:schemeClr val="tx2"/>
+                </a:solidFill>
+                <a:latin typeface="+mn-lt"/>
+                <a:ea typeface="+mn-ea"/>
+                <a:cs typeface="+mn-cs"/>
+              </a:defRPr>
+            </a:lvl4pPr>
+            <a:lvl5pPr marL="2286000" indent="-384048" algn="l" defTabSz="914400" rtl="0" eaLnBrk="1" latinLnBrk="0" hangingPunct="1">
+              <a:lnSpc>
+                <a:spcPct val="94000"/>
+              </a:lnSpc>
+              <a:spcBef>
+                <a:spcPts val="500"/>
+              </a:spcBef>
+              <a:spcAft>
+                <a:spcPts val="200"/>
+              </a:spcAft>
+              <a:buFont typeface="Franklin Gothic Book" panose="020B0503020102020204" pitchFamily="34" charset="0"/>
+              <a:buChar char="■"/>
+              <a:defRPr sz="1600" kern="1200" baseline="0">
+                <a:solidFill>
+                  <a:schemeClr val="tx2"/>
+                </a:solidFill>
+                <a:latin typeface="+mn-lt"/>
+                <a:ea typeface="+mn-ea"/>
+                <a:cs typeface="+mn-cs"/>
+              </a:defRPr>
+            </a:lvl5pPr>
+            <a:lvl6pPr marL="2743200" indent="-384048" algn="l" defTabSz="914400" rtl="0" eaLnBrk="1" latinLnBrk="0" hangingPunct="1">
+              <a:lnSpc>
+                <a:spcPct val="94000"/>
+              </a:lnSpc>
+              <a:spcBef>
+                <a:spcPts val="500"/>
+              </a:spcBef>
+              <a:spcAft>
+                <a:spcPts val="200"/>
+              </a:spcAft>
+              <a:buFont typeface="Franklin Gothic Book" panose="020B0503020102020204" pitchFamily="34" charset="0"/>
+              <a:buChar char="–"/>
+              <a:defRPr sz="1600" i="1" kern="1200" baseline="0">
+                <a:solidFill>
+                  <a:schemeClr val="tx2"/>
+                </a:solidFill>
+                <a:latin typeface="+mn-lt"/>
+                <a:ea typeface="+mn-ea"/>
+                <a:cs typeface="+mn-cs"/>
+              </a:defRPr>
+            </a:lvl6pPr>
+            <a:lvl7pPr marL="3200400" indent="-384048" algn="l" defTabSz="914400" rtl="0" eaLnBrk="1" latinLnBrk="0" hangingPunct="1">
+              <a:lnSpc>
+                <a:spcPct val="94000"/>
+              </a:lnSpc>
+              <a:spcBef>
+                <a:spcPts val="500"/>
+              </a:spcBef>
+              <a:spcAft>
+                <a:spcPts val="200"/>
+              </a:spcAft>
+              <a:buFont typeface="Franklin Gothic Book" panose="020B0503020102020204" pitchFamily="34" charset="0"/>
+              <a:buChar char="■"/>
+              <a:defRPr sz="1400" kern="1200" baseline="0">
+                <a:solidFill>
+                  <a:schemeClr val="tx2"/>
+                </a:solidFill>
+                <a:latin typeface="+mn-lt"/>
+                <a:ea typeface="+mn-ea"/>
+                <a:cs typeface="+mn-cs"/>
+              </a:defRPr>
+            </a:lvl7pPr>
+            <a:lvl8pPr marL="3657600" indent="-384048" algn="l" defTabSz="914400" rtl="0" eaLnBrk="1" latinLnBrk="0" hangingPunct="1">
+              <a:lnSpc>
+                <a:spcPct val="94000"/>
+              </a:lnSpc>
+              <a:spcBef>
+                <a:spcPts val="500"/>
+              </a:spcBef>
+              <a:spcAft>
+                <a:spcPts val="200"/>
+              </a:spcAft>
+              <a:buFont typeface="Franklin Gothic Book" panose="020B0503020102020204" pitchFamily="34" charset="0"/>
+              <a:buChar char="–"/>
+              <a:defRPr sz="1400" i="1" kern="1200" baseline="0">
+                <a:solidFill>
+                  <a:schemeClr val="tx2"/>
+                </a:solidFill>
+                <a:latin typeface="+mn-lt"/>
+                <a:ea typeface="+mn-ea"/>
+                <a:cs typeface="+mn-cs"/>
+              </a:defRPr>
+            </a:lvl8pPr>
+            <a:lvl9pPr marL="4114800" indent="-384048" algn="l" defTabSz="914400" rtl="0" eaLnBrk="1" latinLnBrk="0" hangingPunct="1">
+              <a:lnSpc>
+                <a:spcPct val="94000"/>
+              </a:lnSpc>
+              <a:spcBef>
+                <a:spcPts val="500"/>
+              </a:spcBef>
+              <a:spcAft>
+                <a:spcPts val="200"/>
+              </a:spcAft>
+              <a:buFont typeface="Franklin Gothic Book" panose="020B0503020102020204" pitchFamily="34" charset="0"/>
+              <a:buChar char="■"/>
+              <a:defRPr sz="1400" kern="1200" baseline="0">
+                <a:solidFill>
+                  <a:schemeClr val="tx2"/>
+                </a:solidFill>
+                <a:latin typeface="+mn-lt"/>
+                <a:ea typeface="+mn-ea"/>
+                <a:cs typeface="+mn-cs"/>
+              </a:defRPr>
+            </a:lvl9pPr>
+          </a:lstStyle>
+          <a:p>
+            <a:pPr marL="0" indent="0" algn="ctr">
+              <a:buFont typeface="Franklin Gothic Book" panose="020B0503020102020204" pitchFamily="34" charset="0"/>
+              <a:buNone/>
+            </a:pPr>
+            <a:r>
+              <a:rPr lang="pt-BR" sz="2200" dirty="0" err="1">
+                <a:latin typeface="Arial Rounded MT Bold" charset="0"/>
+                <a:ea typeface="Arial Rounded MT Bold" charset="0"/>
+                <a:cs typeface="Arial Rounded MT Bold" charset="0"/>
+              </a:rPr>
+              <a:t>a</a:t>
+            </a:r>
+            <a:r>
+              <a:rPr lang="pt-BR" sz="2200" dirty="0" err="1" smtClean="0">
+                <a:latin typeface="Arial Rounded MT Bold" charset="0"/>
+                <a:ea typeface="Arial Rounded MT Bold" charset="0"/>
+                <a:cs typeface="Arial Rounded MT Bold" charset="0"/>
+              </a:rPr>
+              <a:t>utofocus</a:t>
+            </a:r>
+            <a:r>
+              <a:rPr lang="pt-BR" sz="2200" dirty="0" smtClean="0">
+                <a:latin typeface="Arial Rounded MT Bold" charset="0"/>
+                <a:ea typeface="Arial Rounded MT Bold" charset="0"/>
+                <a:cs typeface="Arial Rounded MT Bold" charset="0"/>
+              </a:rPr>
+              <a:t>, </a:t>
+            </a:r>
+            <a:r>
+              <a:rPr lang="pt-BR" sz="2200" dirty="0" err="1" smtClean="0">
+                <a:latin typeface="Arial Rounded MT Bold" charset="0"/>
+                <a:ea typeface="Arial Rounded MT Bold" charset="0"/>
+                <a:cs typeface="Arial Rounded MT Bold" charset="0"/>
+              </a:rPr>
+              <a:t>placeholder</a:t>
+            </a:r>
+            <a:r>
+              <a:rPr lang="pt-BR" sz="2200" dirty="0" smtClean="0">
+                <a:latin typeface="Arial Rounded MT Bold" charset="0"/>
+                <a:ea typeface="Arial Rounded MT Bold" charset="0"/>
+                <a:cs typeface="Arial Rounded MT Bold" charset="0"/>
+              </a:rPr>
+              <a:t>, </a:t>
+            </a:r>
+            <a:r>
+              <a:rPr lang="pt-BR" sz="2200" dirty="0" err="1" smtClean="0">
+                <a:latin typeface="Arial Rounded MT Bold" charset="0"/>
+                <a:ea typeface="Arial Rounded MT Bold" charset="0"/>
+                <a:cs typeface="Arial Rounded MT Bold" charset="0"/>
+              </a:rPr>
+              <a:t>required</a:t>
+            </a:r>
+            <a:r>
+              <a:rPr lang="pt-BR" sz="2200" dirty="0" smtClean="0">
+                <a:latin typeface="Arial Rounded MT Bold" charset="0"/>
+                <a:ea typeface="Arial Rounded MT Bold" charset="0"/>
+                <a:cs typeface="Arial Rounded MT Bold" charset="0"/>
+              </a:rPr>
+              <a:t>, </a:t>
+            </a:r>
+            <a:r>
+              <a:rPr lang="pt-BR" sz="2200" dirty="0" err="1" smtClean="0">
+                <a:latin typeface="Arial Rounded MT Bold" charset="0"/>
+                <a:ea typeface="Arial Rounded MT Bold" charset="0"/>
+                <a:cs typeface="Arial Rounded MT Bold" charset="0"/>
+              </a:rPr>
+              <a:t>maxlegth</a:t>
+            </a:r>
+            <a:r>
+              <a:rPr lang="pt-BR" sz="2200" dirty="0" smtClean="0">
+                <a:latin typeface="Arial Rounded MT Bold" charset="0"/>
+                <a:ea typeface="Arial Rounded MT Bold" charset="0"/>
+                <a:cs typeface="Arial Rounded MT Bold" charset="0"/>
+              </a:rPr>
+              <a:t>, </a:t>
+            </a:r>
+            <a:r>
+              <a:rPr lang="pt-BR" sz="2200" dirty="0" err="1" smtClean="0">
+                <a:latin typeface="Arial Rounded MT Bold" charset="0"/>
+                <a:ea typeface="Arial Rounded MT Bold" charset="0"/>
+                <a:cs typeface="Arial Rounded MT Bold" charset="0"/>
+              </a:rPr>
+              <a:t>pattern</a:t>
+            </a:r>
+            <a:r>
+              <a:rPr lang="pt-BR" sz="2200" dirty="0" smtClean="0">
+                <a:latin typeface="Arial Rounded MT Bold" charset="0"/>
+                <a:ea typeface="Arial Rounded MT Bold" charset="0"/>
+                <a:cs typeface="Arial Rounded MT Bold" charset="0"/>
+              </a:rPr>
+              <a:t>, </a:t>
+            </a:r>
+          </a:p>
+          <a:p>
+            <a:pPr marL="0" indent="0" algn="ctr">
+              <a:buFont typeface="Franklin Gothic Book" panose="020B0503020102020204" pitchFamily="34" charset="0"/>
+              <a:buNone/>
+            </a:pPr>
+            <a:r>
+              <a:rPr lang="pt-BR" sz="2200" dirty="0" err="1" smtClean="0">
+                <a:latin typeface="Arial Rounded MT Bold" charset="0"/>
+                <a:ea typeface="Arial Rounded MT Bold" charset="0"/>
+                <a:cs typeface="Arial Rounded MT Bold" charset="0"/>
+              </a:rPr>
+              <a:t>novalidade</a:t>
+            </a:r>
+            <a:r>
+              <a:rPr lang="pt-BR" sz="2200" dirty="0" smtClean="0">
+                <a:latin typeface="Arial Rounded MT Bold" charset="0"/>
+                <a:ea typeface="Arial Rounded MT Bold" charset="0"/>
+                <a:cs typeface="Arial Rounded MT Bold" charset="0"/>
+              </a:rPr>
+              <a:t>, </a:t>
+            </a:r>
+            <a:r>
+              <a:rPr lang="pt-BR" sz="2200" dirty="0" err="1" smtClean="0">
+                <a:latin typeface="Arial Rounded MT Bold" charset="0"/>
+                <a:ea typeface="Arial Rounded MT Bold" charset="0"/>
+                <a:cs typeface="Arial Rounded MT Bold" charset="0"/>
+              </a:rPr>
+              <a:t>Fornovalidade</a:t>
+            </a:r>
+            <a:r>
+              <a:rPr lang="pt-BR" sz="2200" dirty="0" smtClean="0">
+                <a:latin typeface="Arial Rounded MT Bold" charset="0"/>
+                <a:ea typeface="Arial Rounded MT Bold" charset="0"/>
+                <a:cs typeface="Arial Rounded MT Bold" charset="0"/>
+              </a:rPr>
+              <a:t>, </a:t>
+            </a:r>
+            <a:r>
+              <a:rPr lang="pt-BR" sz="2200" dirty="0" err="1" smtClean="0">
+                <a:latin typeface="Arial Rounded MT Bold" charset="0"/>
+                <a:ea typeface="Arial Rounded MT Bold" charset="0"/>
+                <a:cs typeface="Arial Rounded MT Bold" charset="0"/>
+              </a:rPr>
+              <a:t>details</a:t>
+            </a:r>
+            <a:r>
+              <a:rPr lang="pt-BR" sz="2200" dirty="0" smtClean="0">
+                <a:latin typeface="Arial Rounded MT Bold" charset="0"/>
+                <a:ea typeface="Arial Rounded MT Bold" charset="0"/>
+                <a:cs typeface="Arial Rounded MT Bold" charset="0"/>
+              </a:rPr>
+              <a:t>, </a:t>
+            </a:r>
+            <a:r>
+              <a:rPr lang="pt-BR" sz="2200" dirty="0" err="1" smtClean="0">
+                <a:latin typeface="Arial Rounded MT Bold" charset="0"/>
+                <a:ea typeface="Arial Rounded MT Bold" charset="0"/>
+                <a:cs typeface="Arial Rounded MT Bold" charset="0"/>
+              </a:rPr>
+              <a:t>summary</a:t>
+            </a:r>
+            <a:endParaRPr lang="pt-BR" sz="2200" dirty="0">
+              <a:latin typeface="Arial Rounded MT Bold" charset="0"/>
+              <a:ea typeface="Arial Rounded MT Bold" charset="0"/>
+              <a:cs typeface="Arial Rounded MT Bold" charset="0"/>
+            </a:endParaRPr>
+          </a:p>
+        </p:txBody>
+      </p:sp>
+    </p:spTree>
+    <p:extLst>
+      <p:ext uri="{BB962C8B-B14F-4D97-AF65-F5344CB8AC3E}">
+        <p14:creationId xmlns:p14="http://schemas.microsoft.com/office/powerpoint/2010/main" val="987328306"/>
+      </p:ext>
+    </p:extLst>
+  </p:cSld>
+  <p:clrMapOvr>
+    <a:masterClrMapping/>
+  </p:clrMapOvr>
+</p:sld>
+</file>
+
+<file path=ppt/slides/slide8.xml><?xml version="1.0" encoding="utf-8"?>
+<p:sld xmlns:a="http://schemas.openxmlformats.org/drawingml/2006/main" xmlns:r="http://schemas.openxmlformats.org/officeDocument/2006/relationships" xmlns:p="http://schemas.openxmlformats.org/presentationml/2006/main">
+  <p:cSld>
+    <p:spTree>
+      <p:nvGrpSpPr>
+        <p:cNvPr id="1" name=""/>
+        <p:cNvGrpSpPr/>
+        <p:nvPr/>
+      </p:nvGrpSpPr>
+      <p:grpSpPr>
+        <a:xfrm>
+          <a:off x="0" y="0"/>
+          <a:ext cx="0" cy="0"/>
+          <a:chOff x="0" y="0"/>
+          <a:chExt cx="0" cy="0"/>
+        </a:xfrm>
+      </p:grpSpPr>
+      <p:sp>
+        <p:nvSpPr>
+          <p:cNvPr id="2" name="Título 1"/>
+          <p:cNvSpPr>
+            <a:spLocks noGrp="1"/>
+          </p:cNvSpPr>
+          <p:nvPr>
+            <p:ph type="title"/>
+          </p:nvPr>
+        </p:nvSpPr>
+        <p:spPr/>
+        <p:txBody>
+          <a:bodyPr/>
+          <a:lstStyle/>
+          <a:p>
+            <a:r>
+              <a:rPr lang="pt-BR" dirty="0" smtClean="0">
+                <a:latin typeface="Arial Rounded MT Bold" charset="0"/>
+                <a:ea typeface="Arial Rounded MT Bold" charset="0"/>
+                <a:cs typeface="Arial Rounded MT Bold" charset="0"/>
+              </a:rPr>
+              <a:t>HTML 5 | O que tem de novo?</a:t>
+            </a:r>
+            <a:endParaRPr lang="pt-BR" dirty="0">
+              <a:latin typeface="Arial Rounded MT Bold" charset="0"/>
+              <a:ea typeface="Arial Rounded MT Bold" charset="0"/>
+              <a:cs typeface="Arial Rounded MT Bold" charset="0"/>
+            </a:endParaRPr>
+          </a:p>
+        </p:txBody>
+      </p:sp>
+      <p:sp>
+        <p:nvSpPr>
+          <p:cNvPr id="3" name="Espaço Reservado para Conteúdo 2"/>
+          <p:cNvSpPr>
+            <a:spLocks noGrp="1"/>
+          </p:cNvSpPr>
+          <p:nvPr>
+            <p:ph idx="1"/>
+          </p:nvPr>
+        </p:nvSpPr>
+        <p:spPr>
+          <a:xfrm>
+            <a:off x="1371600" y="3209390"/>
+            <a:ext cx="9601200" cy="703780"/>
+          </a:xfrm>
+        </p:spPr>
+        <p:txBody>
+          <a:bodyPr>
+            <a:noAutofit/>
+          </a:bodyPr>
+          <a:lstStyle/>
+          <a:p>
+            <a:pPr marL="0" indent="0" algn="ctr">
+              <a:buNone/>
+            </a:pPr>
+            <a:r>
+              <a:rPr lang="pt-BR" sz="5000" dirty="0" smtClean="0">
+                <a:latin typeface="Arial Rounded MT Bold" charset="0"/>
+                <a:ea typeface="Arial Rounded MT Bold" charset="0"/>
+                <a:cs typeface="Arial Rounded MT Bold" charset="0"/>
+              </a:rPr>
+              <a:t>API DRAG AND DROP</a:t>
+            </a:r>
+            <a:endParaRPr lang="pt-BR" sz="5000" dirty="0">
+              <a:latin typeface="Arial Rounded MT Bold" charset="0"/>
+              <a:ea typeface="Arial Rounded MT Bold" charset="0"/>
+              <a:cs typeface="Arial Rounded MT Bold" charset="0"/>
+            </a:endParaRPr>
+          </a:p>
+        </p:txBody>
+      </p:sp>
+    </p:spTree>
+    <p:extLst>
+      <p:ext uri="{BB962C8B-B14F-4D97-AF65-F5344CB8AC3E}">
+        <p14:creationId xmlns:p14="http://schemas.microsoft.com/office/powerpoint/2010/main" val="1336686289"/>
       </p:ext>
     </p:extLst>
   </p:cSld>
